--- a/game_images/icon_pallate.pptx
+++ b/game_images/icon_pallate.pptx
@@ -7,8 +7,9 @@
   <p:sldIdLst>
     <p:sldId id="257" r:id="rId2"/>
     <p:sldId id="259" r:id="rId3"/>
-    <p:sldId id="258" r:id="rId4"/>
-    <p:sldId id="260" r:id="rId5"/>
+    <p:sldId id="261" r:id="rId4"/>
+    <p:sldId id="258" r:id="rId5"/>
+    <p:sldId id="260" r:id="rId6"/>
   </p:sldIdLst>
   <p:sldSz cx="12192000" cy="6858000"/>
   <p:notesSz cx="6858000" cy="9144000"/>
@@ -262,7 +263,7 @@
           <a:p>
             <a:fld id="{C4BFC1E1-97EB-4ACF-84F7-799493C3E995}" type="datetimeFigureOut">
               <a:rPr lang="en-US" smtClean="0"/>
-              <a:t>4/24/2024</a:t>
+              <a:t>6/17/2024</a:t>
             </a:fld>
             <a:endParaRPr lang="en-US"/>
           </a:p>
@@ -460,7 +461,7 @@
           <a:p>
             <a:fld id="{C4BFC1E1-97EB-4ACF-84F7-799493C3E995}" type="datetimeFigureOut">
               <a:rPr lang="en-US" smtClean="0"/>
-              <a:t>4/24/2024</a:t>
+              <a:t>6/17/2024</a:t>
             </a:fld>
             <a:endParaRPr lang="en-US"/>
           </a:p>
@@ -668,7 +669,7 @@
           <a:p>
             <a:fld id="{C4BFC1E1-97EB-4ACF-84F7-799493C3E995}" type="datetimeFigureOut">
               <a:rPr lang="en-US" smtClean="0"/>
-              <a:t>4/24/2024</a:t>
+              <a:t>6/17/2024</a:t>
             </a:fld>
             <a:endParaRPr lang="en-US"/>
           </a:p>
@@ -866,7 +867,7 @@
           <a:p>
             <a:fld id="{C4BFC1E1-97EB-4ACF-84F7-799493C3E995}" type="datetimeFigureOut">
               <a:rPr lang="en-US" smtClean="0"/>
-              <a:t>4/24/2024</a:t>
+              <a:t>6/17/2024</a:t>
             </a:fld>
             <a:endParaRPr lang="en-US"/>
           </a:p>
@@ -1141,7 +1142,7 @@
           <a:p>
             <a:fld id="{C4BFC1E1-97EB-4ACF-84F7-799493C3E995}" type="datetimeFigureOut">
               <a:rPr lang="en-US" smtClean="0"/>
-              <a:t>4/24/2024</a:t>
+              <a:t>6/17/2024</a:t>
             </a:fld>
             <a:endParaRPr lang="en-US"/>
           </a:p>
@@ -1406,7 +1407,7 @@
           <a:p>
             <a:fld id="{C4BFC1E1-97EB-4ACF-84F7-799493C3E995}" type="datetimeFigureOut">
               <a:rPr lang="en-US" smtClean="0"/>
-              <a:t>4/24/2024</a:t>
+              <a:t>6/17/2024</a:t>
             </a:fld>
             <a:endParaRPr lang="en-US"/>
           </a:p>
@@ -1818,7 +1819,7 @@
           <a:p>
             <a:fld id="{C4BFC1E1-97EB-4ACF-84F7-799493C3E995}" type="datetimeFigureOut">
               <a:rPr lang="en-US" smtClean="0"/>
-              <a:t>4/24/2024</a:t>
+              <a:t>6/17/2024</a:t>
             </a:fld>
             <a:endParaRPr lang="en-US"/>
           </a:p>
@@ -1959,7 +1960,7 @@
           <a:p>
             <a:fld id="{C4BFC1E1-97EB-4ACF-84F7-799493C3E995}" type="datetimeFigureOut">
               <a:rPr lang="en-US" smtClean="0"/>
-              <a:t>4/24/2024</a:t>
+              <a:t>6/17/2024</a:t>
             </a:fld>
             <a:endParaRPr lang="en-US"/>
           </a:p>
@@ -2072,7 +2073,7 @@
           <a:p>
             <a:fld id="{C4BFC1E1-97EB-4ACF-84F7-799493C3E995}" type="datetimeFigureOut">
               <a:rPr lang="en-US" smtClean="0"/>
-              <a:t>4/24/2024</a:t>
+              <a:t>6/17/2024</a:t>
             </a:fld>
             <a:endParaRPr lang="en-US"/>
           </a:p>
@@ -2383,7 +2384,7 @@
           <a:p>
             <a:fld id="{C4BFC1E1-97EB-4ACF-84F7-799493C3E995}" type="datetimeFigureOut">
               <a:rPr lang="en-US" smtClean="0"/>
-              <a:t>4/24/2024</a:t>
+              <a:t>6/17/2024</a:t>
             </a:fld>
             <a:endParaRPr lang="en-US"/>
           </a:p>
@@ -2671,7 +2672,7 @@
           <a:p>
             <a:fld id="{C4BFC1E1-97EB-4ACF-84F7-799493C3E995}" type="datetimeFigureOut">
               <a:rPr lang="en-US" smtClean="0"/>
-              <a:t>4/24/2024</a:t>
+              <a:t>6/17/2024</a:t>
             </a:fld>
             <a:endParaRPr lang="en-US"/>
           </a:p>
@@ -2912,7 +2913,7 @@
           <a:p>
             <a:fld id="{C4BFC1E1-97EB-4ACF-84F7-799493C3E995}" type="datetimeFigureOut">
               <a:rPr lang="en-US" smtClean="0"/>
-              <a:t>4/24/2024</a:t>
+              <a:t>6/17/2024</a:t>
             </a:fld>
             <a:endParaRPr lang="en-US"/>
           </a:p>
@@ -4557,6 +4558,460 @@
           <a:chExt cx="0" cy="0"/>
         </a:xfrm>
       </p:grpSpPr>
+      <p:grpSp>
+        <p:nvGrpSpPr>
+          <p:cNvPr id="8" name="Group 7">
+            <a:extLst>
+              <a:ext uri="{FF2B5EF4-FFF2-40B4-BE49-F238E27FC236}">
+                <a16:creationId xmlns:a16="http://schemas.microsoft.com/office/drawing/2014/main" id="{6CFB2CDD-F597-F684-BA21-9E3E4858D42B}"/>
+              </a:ext>
+            </a:extLst>
+          </p:cNvPr>
+          <p:cNvGrpSpPr/>
+          <p:nvPr/>
+        </p:nvGrpSpPr>
+        <p:grpSpPr>
+          <a:xfrm>
+            <a:off x="-72117" y="44981"/>
+            <a:ext cx="12350687" cy="2593287"/>
+            <a:chOff x="-245555" y="532352"/>
+            <a:chExt cx="12350687" cy="2593287"/>
+          </a:xfrm>
+        </p:grpSpPr>
+        <p:pic>
+          <p:nvPicPr>
+            <p:cNvPr id="6" name="Picture 5" descr="A group of gold stars&#10;&#10;Description automatically generated">
+              <a:extLst>
+                <a:ext uri="{FF2B5EF4-FFF2-40B4-BE49-F238E27FC236}">
+                  <a16:creationId xmlns:a16="http://schemas.microsoft.com/office/drawing/2014/main" id="{9E3FEC7B-B9A3-377E-17C7-BD53AE95222C}"/>
+                </a:ext>
+              </a:extLst>
+            </p:cNvPr>
+            <p:cNvPicPr>
+              <a:picLocks noChangeAspect="1"/>
+            </p:cNvPicPr>
+            <p:nvPr/>
+          </p:nvPicPr>
+          <p:blipFill>
+            <a:blip r:embed="rId2">
+              <a:extLst>
+                <a:ext uri="{28A0092B-C50C-407E-A947-70E740481C1C}">
+                  <a14:useLocalDpi xmlns:a14="http://schemas.microsoft.com/office/drawing/2010/main" val="0"/>
+                </a:ext>
+              </a:extLst>
+            </a:blip>
+            <a:stretch>
+              <a:fillRect/>
+            </a:stretch>
+          </p:blipFill>
+          <p:spPr>
+            <a:xfrm>
+              <a:off x="4292525" y="532352"/>
+              <a:ext cx="3260074" cy="1630037"/>
+            </a:xfrm>
+            <a:prstGeom prst="rect">
+              <a:avLst/>
+            </a:prstGeom>
+          </p:spPr>
+        </p:pic>
+        <p:sp>
+          <p:nvSpPr>
+            <p:cNvPr id="11" name="TextBox 10">
+              <a:extLst>
+                <a:ext uri="{FF2B5EF4-FFF2-40B4-BE49-F238E27FC236}">
+                  <a16:creationId xmlns:a16="http://schemas.microsoft.com/office/drawing/2014/main" id="{77622264-F39A-F328-6195-6D06F4FAAC19}"/>
+                </a:ext>
+              </a:extLst>
+            </p:cNvPr>
+            <p:cNvSpPr txBox="1"/>
+            <p:nvPr/>
+          </p:nvSpPr>
+          <p:spPr>
+            <a:xfrm>
+              <a:off x="4360320" y="2178368"/>
+              <a:ext cx="3153394" cy="830997"/>
+            </a:xfrm>
+            <a:prstGeom prst="rect">
+              <a:avLst/>
+            </a:prstGeom>
+            <a:noFill/>
+          </p:spPr>
+          <p:txBody>
+            <a:bodyPr wrap="square" rtlCol="0">
+              <a:spAutoFit/>
+            </a:bodyPr>
+            <a:lstStyle/>
+            <a:p>
+              <a:pPr algn="dist"/>
+              <a:r>
+                <a:rPr lang="en-US" sz="4800" b="1" dirty="0">
+                  <a:solidFill>
+                    <a:srgbClr val="613903"/>
+                  </a:solidFill>
+                  <a:latin typeface="Imprint MT Shadow" panose="04020605060303030202" pitchFamily="82" charset="0"/>
+                </a:rPr>
+                <a:t>Success!</a:t>
+              </a:r>
+            </a:p>
+          </p:txBody>
+        </p:sp>
+        <p:pic>
+          <p:nvPicPr>
+            <p:cNvPr id="5" name="Picture 2" descr="Divider PNGs for Free Download">
+              <a:extLst>
+                <a:ext uri="{FF2B5EF4-FFF2-40B4-BE49-F238E27FC236}">
+                  <a16:creationId xmlns:a16="http://schemas.microsoft.com/office/drawing/2014/main" id="{BD6B6E3E-1701-BA7A-B01B-E93F9FA66BB0}"/>
+                </a:ext>
+              </a:extLst>
+            </p:cNvPr>
+            <p:cNvPicPr>
+              <a:picLocks noChangeAspect="1" noChangeArrowheads="1"/>
+            </p:cNvPicPr>
+            <p:nvPr/>
+          </p:nvPicPr>
+          <p:blipFill rotWithShape="1">
+            <a:blip r:embed="rId3">
+              <a:extLst>
+                <a:ext uri="{BEBA8EAE-BF5A-486C-A8C5-ECC9F3942E4B}">
+                  <a14:imgProps xmlns:a14="http://schemas.microsoft.com/office/drawing/2010/main">
+                    <a14:imgLayer r:embed="rId4">
+                      <a14:imgEffect>
+                        <a14:colorTemperature colorTemp="9980"/>
+                      </a14:imgEffect>
+                      <a14:imgEffect>
+                        <a14:saturation sat="120000"/>
+                      </a14:imgEffect>
+                    </a14:imgLayer>
+                  </a14:imgProps>
+                </a:ext>
+                <a:ext uri="{28A0092B-C50C-407E-A947-70E740481C1C}">
+                  <a14:useLocalDpi xmlns:a14="http://schemas.microsoft.com/office/drawing/2010/main" val="0"/>
+                </a:ext>
+              </a:extLst>
+            </a:blip>
+            <a:srcRect t="32032" r="64737" b="32606"/>
+            <a:stretch/>
+          </p:blipFill>
+          <p:spPr bwMode="auto">
+            <a:xfrm>
+              <a:off x="-245555" y="2062095"/>
+              <a:ext cx="4360355" cy="1063544"/>
+            </a:xfrm>
+            <a:prstGeom prst="rect">
+              <a:avLst/>
+            </a:prstGeom>
+            <a:noFill/>
+            <a:extLst>
+              <a:ext uri="{909E8E84-426E-40DD-AFC4-6F175D3DCCD1}">
+                <a14:hiddenFill xmlns:a14="http://schemas.microsoft.com/office/drawing/2010/main">
+                  <a:solidFill>
+                    <a:srgbClr val="FFFFFF"/>
+                  </a:solidFill>
+                </a14:hiddenFill>
+              </a:ext>
+            </a:extLst>
+          </p:spPr>
+        </p:pic>
+        <p:pic>
+          <p:nvPicPr>
+            <p:cNvPr id="7" name="Picture 2" descr="Divider PNGs for Free Download">
+              <a:extLst>
+                <a:ext uri="{FF2B5EF4-FFF2-40B4-BE49-F238E27FC236}">
+                  <a16:creationId xmlns:a16="http://schemas.microsoft.com/office/drawing/2014/main" id="{05318F80-ADA2-3EFA-0837-328D21F5ACE3}"/>
+                </a:ext>
+              </a:extLst>
+            </p:cNvPr>
+            <p:cNvPicPr>
+              <a:picLocks noChangeAspect="1" noChangeArrowheads="1"/>
+            </p:cNvPicPr>
+            <p:nvPr/>
+          </p:nvPicPr>
+          <p:blipFill rotWithShape="1">
+            <a:blip r:embed="rId3">
+              <a:extLst>
+                <a:ext uri="{BEBA8EAE-BF5A-486C-A8C5-ECC9F3942E4B}">
+                  <a14:imgProps xmlns:a14="http://schemas.microsoft.com/office/drawing/2010/main">
+                    <a14:imgLayer r:embed="rId4">
+                      <a14:imgEffect>
+                        <a14:colorTemperature colorTemp="9980"/>
+                      </a14:imgEffect>
+                      <a14:imgEffect>
+                        <a14:saturation sat="120000"/>
+                      </a14:imgEffect>
+                    </a14:imgLayer>
+                  </a14:imgProps>
+                </a:ext>
+                <a:ext uri="{28A0092B-C50C-407E-A947-70E740481C1C}">
+                  <a14:useLocalDpi xmlns:a14="http://schemas.microsoft.com/office/drawing/2010/main" val="0"/>
+                </a:ext>
+              </a:extLst>
+            </a:blip>
+            <a:srcRect l="64737" t="32032" b="32606"/>
+            <a:stretch/>
+          </p:blipFill>
+          <p:spPr bwMode="auto">
+            <a:xfrm>
+              <a:off x="7744777" y="2062095"/>
+              <a:ext cx="4360355" cy="1063544"/>
+            </a:xfrm>
+            <a:prstGeom prst="rect">
+              <a:avLst/>
+            </a:prstGeom>
+            <a:noFill/>
+            <a:extLst>
+              <a:ext uri="{909E8E84-426E-40DD-AFC4-6F175D3DCCD1}">
+                <a14:hiddenFill xmlns:a14="http://schemas.microsoft.com/office/drawing/2010/main">
+                  <a:solidFill>
+                    <a:srgbClr val="FFFFFF"/>
+                  </a:solidFill>
+                </a14:hiddenFill>
+              </a:ext>
+            </a:extLst>
+          </p:spPr>
+        </p:pic>
+      </p:grpSp>
+      <p:grpSp>
+        <p:nvGrpSpPr>
+          <p:cNvPr id="14" name="Group 13">
+            <a:extLst>
+              <a:ext uri="{FF2B5EF4-FFF2-40B4-BE49-F238E27FC236}">
+                <a16:creationId xmlns:a16="http://schemas.microsoft.com/office/drawing/2014/main" id="{362B482B-06A0-D3FD-72B6-91CEB6458357}"/>
+              </a:ext>
+            </a:extLst>
+          </p:cNvPr>
+          <p:cNvGrpSpPr/>
+          <p:nvPr/>
+        </p:nvGrpSpPr>
+        <p:grpSpPr>
+          <a:xfrm>
+            <a:off x="-79344" y="3452656"/>
+            <a:ext cx="12350687" cy="2864531"/>
+            <a:chOff x="-79344" y="3452656"/>
+            <a:chExt cx="12350687" cy="2864531"/>
+          </a:xfrm>
+        </p:grpSpPr>
+        <p:pic>
+          <p:nvPicPr>
+            <p:cNvPr id="9" name="Picture 8" descr="A cloud with raindrops&#10;&#10;Description automatically generated">
+              <a:extLst>
+                <a:ext uri="{FF2B5EF4-FFF2-40B4-BE49-F238E27FC236}">
+                  <a16:creationId xmlns:a16="http://schemas.microsoft.com/office/drawing/2014/main" id="{CD4072EA-BD4F-7F86-D6A2-404890BBCE4A}"/>
+                </a:ext>
+              </a:extLst>
+            </p:cNvPr>
+            <p:cNvPicPr>
+              <a:picLocks noChangeAspect="1"/>
+            </p:cNvPicPr>
+            <p:nvPr/>
+          </p:nvPicPr>
+          <p:blipFill>
+            <a:blip r:embed="rId5">
+              <a:extLst>
+                <a:ext uri="{28A0092B-C50C-407E-A947-70E740481C1C}">
+                  <a14:useLocalDpi xmlns:a14="http://schemas.microsoft.com/office/drawing/2010/main" val="0"/>
+                </a:ext>
+              </a:extLst>
+            </a:blip>
+            <a:stretch>
+              <a:fillRect/>
+            </a:stretch>
+          </p:blipFill>
+          <p:spPr>
+            <a:xfrm>
+              <a:off x="4647162" y="3452656"/>
+              <a:ext cx="2897675" cy="2140187"/>
+            </a:xfrm>
+            <a:prstGeom prst="rect">
+              <a:avLst/>
+            </a:prstGeom>
+          </p:spPr>
+        </p:pic>
+        <p:sp>
+          <p:nvSpPr>
+            <p:cNvPr id="10" name="TextBox 9">
+              <a:extLst>
+                <a:ext uri="{FF2B5EF4-FFF2-40B4-BE49-F238E27FC236}">
+                  <a16:creationId xmlns:a16="http://schemas.microsoft.com/office/drawing/2014/main" id="{772BCC6B-4D3E-38EF-52FD-A45D486F7E7A}"/>
+                </a:ext>
+              </a:extLst>
+            </p:cNvPr>
+            <p:cNvSpPr txBox="1"/>
+            <p:nvPr/>
+          </p:nvSpPr>
+          <p:spPr>
+            <a:xfrm>
+              <a:off x="4755453" y="5369916"/>
+              <a:ext cx="2695549" cy="830997"/>
+            </a:xfrm>
+            <a:prstGeom prst="rect">
+              <a:avLst/>
+            </a:prstGeom>
+            <a:noFill/>
+          </p:spPr>
+          <p:txBody>
+            <a:bodyPr wrap="square" rtlCol="0">
+              <a:spAutoFit/>
+            </a:bodyPr>
+            <a:lstStyle/>
+            <a:p>
+              <a:pPr algn="dist"/>
+              <a:r>
+                <a:rPr lang="en-US" sz="4800" b="1" dirty="0">
+                  <a:solidFill>
+                    <a:srgbClr val="613903"/>
+                  </a:solidFill>
+                  <a:latin typeface="Imprint MT Shadow" panose="04020605060303030202" pitchFamily="82" charset="0"/>
+                </a:rPr>
+                <a:t>Failed!</a:t>
+              </a:r>
+            </a:p>
+          </p:txBody>
+        </p:sp>
+        <p:pic>
+          <p:nvPicPr>
+            <p:cNvPr id="12" name="Picture 2" descr="Divider PNGs for Free Download">
+              <a:extLst>
+                <a:ext uri="{FF2B5EF4-FFF2-40B4-BE49-F238E27FC236}">
+                  <a16:creationId xmlns:a16="http://schemas.microsoft.com/office/drawing/2014/main" id="{930B872D-9356-2578-B5D2-2D83EFF3C644}"/>
+                </a:ext>
+              </a:extLst>
+            </p:cNvPr>
+            <p:cNvPicPr>
+              <a:picLocks noChangeAspect="1" noChangeArrowheads="1"/>
+            </p:cNvPicPr>
+            <p:nvPr/>
+          </p:nvPicPr>
+          <p:blipFill rotWithShape="1">
+            <a:blip r:embed="rId3">
+              <a:extLst>
+                <a:ext uri="{BEBA8EAE-BF5A-486C-A8C5-ECC9F3942E4B}">
+                  <a14:imgProps xmlns:a14="http://schemas.microsoft.com/office/drawing/2010/main">
+                    <a14:imgLayer r:embed="rId4">
+                      <a14:imgEffect>
+                        <a14:colorTemperature colorTemp="9980"/>
+                      </a14:imgEffect>
+                      <a14:imgEffect>
+                        <a14:saturation sat="120000"/>
+                      </a14:imgEffect>
+                    </a14:imgLayer>
+                  </a14:imgProps>
+                </a:ext>
+                <a:ext uri="{28A0092B-C50C-407E-A947-70E740481C1C}">
+                  <a14:useLocalDpi xmlns:a14="http://schemas.microsoft.com/office/drawing/2010/main" val="0"/>
+                </a:ext>
+              </a:extLst>
+            </a:blip>
+            <a:srcRect t="32032" r="64737" b="32606"/>
+            <a:stretch/>
+          </p:blipFill>
+          <p:spPr bwMode="auto">
+            <a:xfrm>
+              <a:off x="-79344" y="5253643"/>
+              <a:ext cx="4360355" cy="1063544"/>
+            </a:xfrm>
+            <a:prstGeom prst="rect">
+              <a:avLst/>
+            </a:prstGeom>
+            <a:noFill/>
+            <a:extLst>
+              <a:ext uri="{909E8E84-426E-40DD-AFC4-6F175D3DCCD1}">
+                <a14:hiddenFill xmlns:a14="http://schemas.microsoft.com/office/drawing/2010/main">
+                  <a:solidFill>
+                    <a:srgbClr val="FFFFFF"/>
+                  </a:solidFill>
+                </a14:hiddenFill>
+              </a:ext>
+            </a:extLst>
+          </p:spPr>
+        </p:pic>
+        <p:pic>
+          <p:nvPicPr>
+            <p:cNvPr id="13" name="Picture 2" descr="Divider PNGs for Free Download">
+              <a:extLst>
+                <a:ext uri="{FF2B5EF4-FFF2-40B4-BE49-F238E27FC236}">
+                  <a16:creationId xmlns:a16="http://schemas.microsoft.com/office/drawing/2014/main" id="{5B6571F0-0C93-34F8-6E2F-E699B138AA16}"/>
+                </a:ext>
+              </a:extLst>
+            </p:cNvPr>
+            <p:cNvPicPr>
+              <a:picLocks noChangeAspect="1" noChangeArrowheads="1"/>
+            </p:cNvPicPr>
+            <p:nvPr/>
+          </p:nvPicPr>
+          <p:blipFill rotWithShape="1">
+            <a:blip r:embed="rId3">
+              <a:extLst>
+                <a:ext uri="{BEBA8EAE-BF5A-486C-A8C5-ECC9F3942E4B}">
+                  <a14:imgProps xmlns:a14="http://schemas.microsoft.com/office/drawing/2010/main">
+                    <a14:imgLayer r:embed="rId4">
+                      <a14:imgEffect>
+                        <a14:colorTemperature colorTemp="9980"/>
+                      </a14:imgEffect>
+                      <a14:imgEffect>
+                        <a14:saturation sat="120000"/>
+                      </a14:imgEffect>
+                    </a14:imgLayer>
+                  </a14:imgProps>
+                </a:ext>
+                <a:ext uri="{28A0092B-C50C-407E-A947-70E740481C1C}">
+                  <a14:useLocalDpi xmlns:a14="http://schemas.microsoft.com/office/drawing/2010/main" val="0"/>
+                </a:ext>
+              </a:extLst>
+            </a:blip>
+            <a:srcRect l="64737" t="32032" b="32606"/>
+            <a:stretch/>
+          </p:blipFill>
+          <p:spPr bwMode="auto">
+            <a:xfrm>
+              <a:off x="7910988" y="5253643"/>
+              <a:ext cx="4360355" cy="1063544"/>
+            </a:xfrm>
+            <a:prstGeom prst="rect">
+              <a:avLst/>
+            </a:prstGeom>
+            <a:noFill/>
+            <a:extLst>
+              <a:ext uri="{909E8E84-426E-40DD-AFC4-6F175D3DCCD1}">
+                <a14:hiddenFill xmlns:a14="http://schemas.microsoft.com/office/drawing/2010/main">
+                  <a:solidFill>
+                    <a:srgbClr val="FFFFFF"/>
+                  </a:solidFill>
+                </a14:hiddenFill>
+              </a:ext>
+            </a:extLst>
+          </p:spPr>
+        </p:pic>
+      </p:grpSp>
+    </p:spTree>
+    <p:extLst>
+      <p:ext uri="{BB962C8B-B14F-4D97-AF65-F5344CB8AC3E}">
+        <p14:creationId xmlns:p14="http://schemas.microsoft.com/office/powerpoint/2010/main" val="3879526158"/>
+      </p:ext>
+    </p:extLst>
+  </p:cSld>
+  <p:clrMapOvr>
+    <a:masterClrMapping/>
+  </p:clrMapOvr>
+</p:sld>
+</file>
+
+<file path=ppt/slides/slide4.xml><?xml version="1.0" encoding="utf-8"?>
+<p:sld xmlns:a="http://schemas.openxmlformats.org/drawingml/2006/main" xmlns:r="http://schemas.openxmlformats.org/officeDocument/2006/relationships" xmlns:p="http://schemas.openxmlformats.org/presentationml/2006/main">
+  <p:cSld>
+    <p:spTree>
+      <p:nvGrpSpPr>
+        <p:cNvPr id="1" name=""/>
+        <p:cNvGrpSpPr/>
+        <p:nvPr/>
+      </p:nvGrpSpPr>
+      <p:grpSpPr>
+        <a:xfrm>
+          <a:off x="0" y="0"/>
+          <a:ext cx="0" cy="0"/>
+          <a:chOff x="0" y="0"/>
+          <a:chExt cx="0" cy="0"/>
+        </a:xfrm>
+      </p:grpSpPr>
       <p:pic>
         <p:nvPicPr>
           <p:cNvPr id="5" name="Picture 4">
@@ -4861,7 +5316,7 @@
 </p:sld>
 </file>
 
-<file path=ppt/slides/slide4.xml><?xml version="1.0" encoding="utf-8"?>
+<file path=ppt/slides/slide5.xml><?xml version="1.0" encoding="utf-8"?>
 <p:sld xmlns:a="http://schemas.openxmlformats.org/drawingml/2006/main" xmlns:r="http://schemas.openxmlformats.org/officeDocument/2006/relationships" xmlns:p="http://schemas.openxmlformats.org/presentationml/2006/main">
   <p:cSld>
     <p:spTree>

--- a/game_images/icon_pallate.pptx
+++ b/game_images/icon_pallate.pptx
@@ -8,8 +8,9 @@
     <p:sldId id="257" r:id="rId2"/>
     <p:sldId id="259" r:id="rId3"/>
     <p:sldId id="261" r:id="rId4"/>
-    <p:sldId id="258" r:id="rId5"/>
-    <p:sldId id="260" r:id="rId6"/>
+    <p:sldId id="262" r:id="rId5"/>
+    <p:sldId id="258" r:id="rId6"/>
+    <p:sldId id="260" r:id="rId7"/>
   </p:sldIdLst>
   <p:sldSz cx="12192000" cy="6858000"/>
   <p:notesSz cx="6858000" cy="9144000"/>
@@ -263,7 +264,7 @@
           <a:p>
             <a:fld id="{C4BFC1E1-97EB-4ACF-84F7-799493C3E995}" type="datetimeFigureOut">
               <a:rPr lang="en-US" smtClean="0"/>
-              <a:t>6/17/2024</a:t>
+              <a:t>6/23/2024</a:t>
             </a:fld>
             <a:endParaRPr lang="en-US"/>
           </a:p>
@@ -461,7 +462,7 @@
           <a:p>
             <a:fld id="{C4BFC1E1-97EB-4ACF-84F7-799493C3E995}" type="datetimeFigureOut">
               <a:rPr lang="en-US" smtClean="0"/>
-              <a:t>6/17/2024</a:t>
+              <a:t>6/23/2024</a:t>
             </a:fld>
             <a:endParaRPr lang="en-US"/>
           </a:p>
@@ -669,7 +670,7 @@
           <a:p>
             <a:fld id="{C4BFC1E1-97EB-4ACF-84F7-799493C3E995}" type="datetimeFigureOut">
               <a:rPr lang="en-US" smtClean="0"/>
-              <a:t>6/17/2024</a:t>
+              <a:t>6/23/2024</a:t>
             </a:fld>
             <a:endParaRPr lang="en-US"/>
           </a:p>
@@ -867,7 +868,7 @@
           <a:p>
             <a:fld id="{C4BFC1E1-97EB-4ACF-84F7-799493C3E995}" type="datetimeFigureOut">
               <a:rPr lang="en-US" smtClean="0"/>
-              <a:t>6/17/2024</a:t>
+              <a:t>6/23/2024</a:t>
             </a:fld>
             <a:endParaRPr lang="en-US"/>
           </a:p>
@@ -1142,7 +1143,7 @@
           <a:p>
             <a:fld id="{C4BFC1E1-97EB-4ACF-84F7-799493C3E995}" type="datetimeFigureOut">
               <a:rPr lang="en-US" smtClean="0"/>
-              <a:t>6/17/2024</a:t>
+              <a:t>6/23/2024</a:t>
             </a:fld>
             <a:endParaRPr lang="en-US"/>
           </a:p>
@@ -1407,7 +1408,7 @@
           <a:p>
             <a:fld id="{C4BFC1E1-97EB-4ACF-84F7-799493C3E995}" type="datetimeFigureOut">
               <a:rPr lang="en-US" smtClean="0"/>
-              <a:t>6/17/2024</a:t>
+              <a:t>6/23/2024</a:t>
             </a:fld>
             <a:endParaRPr lang="en-US"/>
           </a:p>
@@ -1819,7 +1820,7 @@
           <a:p>
             <a:fld id="{C4BFC1E1-97EB-4ACF-84F7-799493C3E995}" type="datetimeFigureOut">
               <a:rPr lang="en-US" smtClean="0"/>
-              <a:t>6/17/2024</a:t>
+              <a:t>6/23/2024</a:t>
             </a:fld>
             <a:endParaRPr lang="en-US"/>
           </a:p>
@@ -1960,7 +1961,7 @@
           <a:p>
             <a:fld id="{C4BFC1E1-97EB-4ACF-84F7-799493C3E995}" type="datetimeFigureOut">
               <a:rPr lang="en-US" smtClean="0"/>
-              <a:t>6/17/2024</a:t>
+              <a:t>6/23/2024</a:t>
             </a:fld>
             <a:endParaRPr lang="en-US"/>
           </a:p>
@@ -2073,7 +2074,7 @@
           <a:p>
             <a:fld id="{C4BFC1E1-97EB-4ACF-84F7-799493C3E995}" type="datetimeFigureOut">
               <a:rPr lang="en-US" smtClean="0"/>
-              <a:t>6/17/2024</a:t>
+              <a:t>6/23/2024</a:t>
             </a:fld>
             <a:endParaRPr lang="en-US"/>
           </a:p>
@@ -2384,7 +2385,7 @@
           <a:p>
             <a:fld id="{C4BFC1E1-97EB-4ACF-84F7-799493C3E995}" type="datetimeFigureOut">
               <a:rPr lang="en-US" smtClean="0"/>
-              <a:t>6/17/2024</a:t>
+              <a:t>6/23/2024</a:t>
             </a:fld>
             <a:endParaRPr lang="en-US"/>
           </a:p>
@@ -2672,7 +2673,7 @@
           <a:p>
             <a:fld id="{C4BFC1E1-97EB-4ACF-84F7-799493C3E995}" type="datetimeFigureOut">
               <a:rPr lang="en-US" smtClean="0"/>
-              <a:t>6/17/2024</a:t>
+              <a:t>6/23/2024</a:t>
             </a:fld>
             <a:endParaRPr lang="en-US"/>
           </a:p>
@@ -2913,7 +2914,7 @@
           <a:p>
             <a:fld id="{C4BFC1E1-97EB-4ACF-84F7-799493C3E995}" type="datetimeFigureOut">
               <a:rPr lang="en-US" smtClean="0"/>
-              <a:t>6/17/2024</a:t>
+              <a:t>6/23/2024</a:t>
             </a:fld>
             <a:endParaRPr lang="en-US"/>
           </a:p>
@@ -5012,6 +5013,1802 @@
           <a:chExt cx="0" cy="0"/>
         </a:xfrm>
       </p:grpSpPr>
+      <p:grpSp>
+        <p:nvGrpSpPr>
+          <p:cNvPr id="53" name="Group 52">
+            <a:extLst>
+              <a:ext uri="{FF2B5EF4-FFF2-40B4-BE49-F238E27FC236}">
+                <a16:creationId xmlns:a16="http://schemas.microsoft.com/office/drawing/2014/main" id="{31B5DE3E-E94A-0518-A2FF-A53E4E4D6AB6}"/>
+              </a:ext>
+            </a:extLst>
+          </p:cNvPr>
+          <p:cNvGrpSpPr/>
+          <p:nvPr/>
+        </p:nvGrpSpPr>
+        <p:grpSpPr>
+          <a:xfrm>
+            <a:off x="559277" y="-70009"/>
+            <a:ext cx="10695463" cy="5962174"/>
+            <a:chOff x="559277" y="-70009"/>
+            <a:chExt cx="10695463" cy="5962174"/>
+          </a:xfrm>
+        </p:grpSpPr>
+        <p:sp>
+          <p:nvSpPr>
+            <p:cNvPr id="4" name="Rectangle 3">
+              <a:extLst>
+                <a:ext uri="{FF2B5EF4-FFF2-40B4-BE49-F238E27FC236}">
+                  <a16:creationId xmlns:a16="http://schemas.microsoft.com/office/drawing/2014/main" id="{5EC494FC-A4D5-1F31-4AA1-DD43AAA87E54}"/>
+                </a:ext>
+              </a:extLst>
+            </p:cNvPr>
+            <p:cNvSpPr/>
+            <p:nvPr/>
+          </p:nvSpPr>
+          <p:spPr>
+            <a:xfrm>
+              <a:off x="655320" y="-70009"/>
+              <a:ext cx="10599420" cy="5962174"/>
+            </a:xfrm>
+            <a:prstGeom prst="rect">
+              <a:avLst/>
+            </a:prstGeom>
+            <a:solidFill>
+              <a:srgbClr val="848282"/>
+            </a:solidFill>
+            <a:ln>
+              <a:noFill/>
+            </a:ln>
+          </p:spPr>
+          <p:style>
+            <a:lnRef idx="2">
+              <a:schemeClr val="accent1">
+                <a:shade val="15000"/>
+              </a:schemeClr>
+            </a:lnRef>
+            <a:fillRef idx="1">
+              <a:schemeClr val="accent1"/>
+            </a:fillRef>
+            <a:effectRef idx="0">
+              <a:schemeClr val="accent1"/>
+            </a:effectRef>
+            <a:fontRef idx="minor">
+              <a:schemeClr val="lt1"/>
+            </a:fontRef>
+          </p:style>
+          <p:txBody>
+            <a:bodyPr rtlCol="0" anchor="ctr"/>
+            <a:lstStyle/>
+            <a:p>
+              <a:pPr algn="ctr"/>
+              <a:endParaRPr lang="en-US"/>
+            </a:p>
+          </p:txBody>
+        </p:sp>
+        <p:sp>
+          <p:nvSpPr>
+            <p:cNvPr id="7" name="Rectangle: Rounded Corners 6">
+              <a:extLst>
+                <a:ext uri="{FF2B5EF4-FFF2-40B4-BE49-F238E27FC236}">
+                  <a16:creationId xmlns:a16="http://schemas.microsoft.com/office/drawing/2014/main" id="{485453F3-A98B-9036-6C1C-BA786DBAAB11}"/>
+                </a:ext>
+              </a:extLst>
+            </p:cNvPr>
+            <p:cNvSpPr/>
+            <p:nvPr/>
+          </p:nvSpPr>
+          <p:spPr>
+            <a:xfrm>
+              <a:off x="655320" y="146685"/>
+              <a:ext cx="10325100" cy="5577840"/>
+            </a:xfrm>
+            <a:prstGeom prst="roundRect">
+              <a:avLst/>
+            </a:prstGeom>
+            <a:solidFill>
+              <a:srgbClr val="DEDEDE"/>
+            </a:solidFill>
+            <a:ln>
+              <a:noFill/>
+            </a:ln>
+            <a:effectLst>
+              <a:outerShdw blurRad="50800" dist="12700" dir="2700000" sx="101000" sy="101000" algn="tl" rotWithShape="0">
+                <a:prstClr val="black">
+                  <a:alpha val="27000"/>
+                </a:prstClr>
+              </a:outerShdw>
+            </a:effectLst>
+          </p:spPr>
+          <p:style>
+            <a:lnRef idx="2">
+              <a:schemeClr val="accent1">
+                <a:shade val="15000"/>
+              </a:schemeClr>
+            </a:lnRef>
+            <a:fillRef idx="1">
+              <a:schemeClr val="accent1"/>
+            </a:fillRef>
+            <a:effectRef idx="0">
+              <a:schemeClr val="accent1"/>
+            </a:effectRef>
+            <a:fontRef idx="minor">
+              <a:schemeClr val="lt1"/>
+            </a:fontRef>
+          </p:style>
+          <p:txBody>
+            <a:bodyPr rtlCol="0" anchor="ctr"/>
+            <a:lstStyle/>
+            <a:p>
+              <a:pPr algn="ctr"/>
+              <a:endParaRPr lang="en-US"/>
+            </a:p>
+          </p:txBody>
+        </p:sp>
+        <p:grpSp>
+          <p:nvGrpSpPr>
+            <p:cNvPr id="22" name="Group 21">
+              <a:extLst>
+                <a:ext uri="{FF2B5EF4-FFF2-40B4-BE49-F238E27FC236}">
+                  <a16:creationId xmlns:a16="http://schemas.microsoft.com/office/drawing/2014/main" id="{6780679D-8D5C-2B1E-014E-3D0B7B93B252}"/>
+                </a:ext>
+              </a:extLst>
+            </p:cNvPr>
+            <p:cNvGrpSpPr/>
+            <p:nvPr/>
+          </p:nvGrpSpPr>
+          <p:grpSpPr>
+            <a:xfrm>
+              <a:off x="655320" y="-70009"/>
+              <a:ext cx="3091927" cy="5962174"/>
+              <a:chOff x="655320" y="339566"/>
+              <a:chExt cx="2831951" cy="5962174"/>
+            </a:xfrm>
+          </p:grpSpPr>
+          <p:sp>
+            <p:nvSpPr>
+              <p:cNvPr id="8" name="Rectangle: Single Corner Rounded 7">
+                <a:extLst>
+                  <a:ext uri="{FF2B5EF4-FFF2-40B4-BE49-F238E27FC236}">
+                    <a16:creationId xmlns:a16="http://schemas.microsoft.com/office/drawing/2014/main" id="{5F62D28A-26AA-56FB-445B-6B4A1F58B0C2}"/>
+                  </a:ext>
+                </a:extLst>
+              </p:cNvPr>
+              <p:cNvSpPr/>
+              <p:nvPr/>
+            </p:nvSpPr>
+            <p:spPr>
+              <a:xfrm>
+                <a:off x="655320" y="339566"/>
+                <a:ext cx="2831951" cy="5962174"/>
+              </a:xfrm>
+              <a:prstGeom prst="round1Rect">
+                <a:avLst/>
+              </a:prstGeom>
+              <a:solidFill>
+                <a:schemeClr val="tx1">
+                  <a:lumMod val="85000"/>
+                  <a:lumOff val="15000"/>
+                </a:schemeClr>
+              </a:solidFill>
+              <a:ln>
+                <a:noFill/>
+              </a:ln>
+              <a:effectLst>
+                <a:outerShdw blurRad="50800" dist="88900" algn="l" rotWithShape="0">
+                  <a:prstClr val="black">
+                    <a:alpha val="35000"/>
+                  </a:prstClr>
+                </a:outerShdw>
+              </a:effectLst>
+            </p:spPr>
+            <p:style>
+              <a:lnRef idx="2">
+                <a:schemeClr val="accent1">
+                  <a:shade val="15000"/>
+                </a:schemeClr>
+              </a:lnRef>
+              <a:fillRef idx="1">
+                <a:schemeClr val="accent1"/>
+              </a:fillRef>
+              <a:effectRef idx="0">
+                <a:schemeClr val="accent1"/>
+              </a:effectRef>
+              <a:fontRef idx="minor">
+                <a:schemeClr val="lt1"/>
+              </a:fontRef>
+            </p:style>
+            <p:txBody>
+              <a:bodyPr rtlCol="0" anchor="ctr"/>
+              <a:lstStyle/>
+              <a:p>
+                <a:pPr algn="ctr"/>
+                <a:endParaRPr lang="en-US" dirty="0"/>
+              </a:p>
+            </p:txBody>
+          </p:sp>
+          <p:pic>
+            <p:nvPicPr>
+              <p:cNvPr id="13" name="Picture 4">
+                <a:extLst>
+                  <a:ext uri="{FF2B5EF4-FFF2-40B4-BE49-F238E27FC236}">
+                    <a16:creationId xmlns:a16="http://schemas.microsoft.com/office/drawing/2014/main" id="{98B7D601-6EA4-ABAB-4369-7181069B1B5A}"/>
+                  </a:ext>
+                </a:extLst>
+              </p:cNvPr>
+              <p:cNvPicPr>
+                <a:picLocks noChangeAspect="1" noChangeArrowheads="1"/>
+              </p:cNvPicPr>
+              <p:nvPr/>
+            </p:nvPicPr>
+            <p:blipFill rotWithShape="1">
+              <a:blip r:embed="rId2">
+                <a:extLst>
+                  <a:ext uri="{28A0092B-C50C-407E-A947-70E740481C1C}">
+                    <a14:useLocalDpi xmlns:a14="http://schemas.microsoft.com/office/drawing/2010/main" val="0"/>
+                  </a:ext>
+                </a:extLst>
+              </a:blip>
+              <a:srcRect l="16055" t="13151" r="1915" b="1"/>
+              <a:stretch/>
+            </p:blipFill>
+            <p:spPr bwMode="auto">
+              <a:xfrm>
+                <a:off x="655320" y="339566"/>
+                <a:ext cx="2831951" cy="1725457"/>
+              </a:xfrm>
+              <a:prstGeom prst="round1Rect">
+                <a:avLst>
+                  <a:gd name="adj" fmla="val 27959"/>
+                </a:avLst>
+              </a:prstGeom>
+              <a:noFill/>
+              <a:extLst>
+                <a:ext uri="{909E8E84-426E-40DD-AFC4-6F175D3DCCD1}">
+                  <a14:hiddenFill xmlns:a14="http://schemas.microsoft.com/office/drawing/2010/main">
+                    <a:solidFill>
+                      <a:srgbClr val="FFFFFF"/>
+                    </a:solidFill>
+                  </a14:hiddenFill>
+                </a:ext>
+              </a:extLst>
+            </p:spPr>
+          </p:pic>
+          <p:sp>
+            <p:nvSpPr>
+              <p:cNvPr id="16" name="Rectangle: Single Corner Rounded 15">
+                <a:extLst>
+                  <a:ext uri="{FF2B5EF4-FFF2-40B4-BE49-F238E27FC236}">
+                    <a16:creationId xmlns:a16="http://schemas.microsoft.com/office/drawing/2014/main" id="{1A600C2B-84CB-64BE-5AC5-86D7BFB132C4}"/>
+                  </a:ext>
+                </a:extLst>
+              </p:cNvPr>
+              <p:cNvSpPr/>
+              <p:nvPr/>
+            </p:nvSpPr>
+            <p:spPr>
+              <a:xfrm>
+                <a:off x="655320" y="1150623"/>
+                <a:ext cx="2831951" cy="914400"/>
+              </a:xfrm>
+              <a:prstGeom prst="round1Rect">
+                <a:avLst>
+                  <a:gd name="adj" fmla="val 0"/>
+                </a:avLst>
+              </a:prstGeom>
+              <a:gradFill>
+                <a:gsLst>
+                  <a:gs pos="82000">
+                    <a:srgbClr val="262626"/>
+                  </a:gs>
+                  <a:gs pos="0">
+                    <a:srgbClr val="262626">
+                      <a:alpha val="0"/>
+                    </a:srgbClr>
+                  </a:gs>
+                </a:gsLst>
+                <a:lin ang="5400000" scaled="1"/>
+              </a:gradFill>
+              <a:ln>
+                <a:noFill/>
+              </a:ln>
+              <a:effectLst/>
+            </p:spPr>
+            <p:style>
+              <a:lnRef idx="2">
+                <a:schemeClr val="accent1">
+                  <a:shade val="15000"/>
+                </a:schemeClr>
+              </a:lnRef>
+              <a:fillRef idx="1">
+                <a:schemeClr val="accent1"/>
+              </a:fillRef>
+              <a:effectRef idx="0">
+                <a:schemeClr val="accent1"/>
+              </a:effectRef>
+              <a:fontRef idx="minor">
+                <a:schemeClr val="lt1"/>
+              </a:fontRef>
+            </p:style>
+            <p:txBody>
+              <a:bodyPr rtlCol="0" anchor="ctr"/>
+              <a:lstStyle/>
+              <a:p>
+                <a:pPr algn="ctr"/>
+                <a:endParaRPr lang="en-US"/>
+              </a:p>
+            </p:txBody>
+          </p:sp>
+        </p:grpSp>
+        <p:sp>
+          <p:nvSpPr>
+            <p:cNvPr id="17" name="Oval 16">
+              <a:extLst>
+                <a:ext uri="{FF2B5EF4-FFF2-40B4-BE49-F238E27FC236}">
+                  <a16:creationId xmlns:a16="http://schemas.microsoft.com/office/drawing/2014/main" id="{1860036A-A4FB-2206-4A90-F1ABB7BEC196}"/>
+                </a:ext>
+              </a:extLst>
+            </p:cNvPr>
+            <p:cNvSpPr/>
+            <p:nvPr/>
+          </p:nvSpPr>
+          <p:spPr>
+            <a:xfrm>
+              <a:off x="1739599" y="1059551"/>
+              <a:ext cx="914400" cy="914400"/>
+            </a:xfrm>
+            <a:prstGeom prst="ellipse">
+              <a:avLst/>
+            </a:prstGeom>
+            <a:solidFill>
+              <a:srgbClr val="434343"/>
+            </a:solidFill>
+            <a:ln>
+              <a:noFill/>
+            </a:ln>
+          </p:spPr>
+          <p:style>
+            <a:lnRef idx="2">
+              <a:schemeClr val="accent1">
+                <a:shade val="15000"/>
+              </a:schemeClr>
+            </a:lnRef>
+            <a:fillRef idx="1">
+              <a:schemeClr val="accent1"/>
+            </a:fillRef>
+            <a:effectRef idx="0">
+              <a:schemeClr val="accent1"/>
+            </a:effectRef>
+            <a:fontRef idx="minor">
+              <a:schemeClr val="lt1"/>
+            </a:fontRef>
+          </p:style>
+          <p:txBody>
+            <a:bodyPr rtlCol="0" anchor="ctr"/>
+            <a:lstStyle/>
+            <a:p>
+              <a:pPr algn="ctr"/>
+              <a:endParaRPr lang="en-US"/>
+            </a:p>
+          </p:txBody>
+        </p:sp>
+        <p:pic>
+          <p:nvPicPr>
+            <p:cNvPr id="1030" name="Picture 6" descr="Profil - Icônes social gratuites">
+              <a:extLst>
+                <a:ext uri="{FF2B5EF4-FFF2-40B4-BE49-F238E27FC236}">
+                  <a16:creationId xmlns:a16="http://schemas.microsoft.com/office/drawing/2014/main" id="{E8B1F825-8101-75DE-2AE4-08141EBED013}"/>
+                </a:ext>
+              </a:extLst>
+            </p:cNvPr>
+            <p:cNvPicPr>
+              <a:picLocks noChangeAspect="1" noChangeArrowheads="1"/>
+            </p:cNvPicPr>
+            <p:nvPr/>
+          </p:nvPicPr>
+          <p:blipFill>
+            <a:blip r:embed="rId3">
+              <a:extLst>
+                <a:ext uri="{28A0092B-C50C-407E-A947-70E740481C1C}">
+                  <a14:useLocalDpi xmlns:a14="http://schemas.microsoft.com/office/drawing/2010/main" val="0"/>
+                </a:ext>
+              </a:extLst>
+            </a:blip>
+            <a:srcRect/>
+            <a:stretch>
+              <a:fillRect/>
+            </a:stretch>
+          </p:blipFill>
+          <p:spPr bwMode="auto">
+            <a:xfrm>
+              <a:off x="1804754" y="1124706"/>
+              <a:ext cx="784089" cy="784089"/>
+            </a:xfrm>
+            <a:prstGeom prst="rect">
+              <a:avLst/>
+            </a:prstGeom>
+            <a:noFill/>
+            <a:extLst>
+              <a:ext uri="{909E8E84-426E-40DD-AFC4-6F175D3DCCD1}">
+                <a14:hiddenFill xmlns:a14="http://schemas.microsoft.com/office/drawing/2010/main">
+                  <a:solidFill>
+                    <a:srgbClr val="FFFFFF"/>
+                  </a:solidFill>
+                </a14:hiddenFill>
+              </a:ext>
+            </a:extLst>
+          </p:spPr>
+        </p:pic>
+        <p:sp>
+          <p:nvSpPr>
+            <p:cNvPr id="18" name="Rectangle: Rounded Corners 17">
+              <a:extLst>
+                <a:ext uri="{FF2B5EF4-FFF2-40B4-BE49-F238E27FC236}">
+                  <a16:creationId xmlns:a16="http://schemas.microsoft.com/office/drawing/2014/main" id="{360B80FB-FDDE-D75E-8435-D1992A8A6B18}"/>
+                </a:ext>
+              </a:extLst>
+            </p:cNvPr>
+            <p:cNvSpPr/>
+            <p:nvPr/>
+          </p:nvSpPr>
+          <p:spPr>
+            <a:xfrm>
+              <a:off x="873010" y="2622209"/>
+              <a:ext cx="2641447" cy="1192305"/>
+            </a:xfrm>
+            <a:prstGeom prst="roundRect">
+              <a:avLst/>
+            </a:prstGeom>
+            <a:solidFill>
+              <a:srgbClr val="434343"/>
+            </a:solidFill>
+            <a:ln>
+              <a:noFill/>
+            </a:ln>
+          </p:spPr>
+          <p:style>
+            <a:lnRef idx="2">
+              <a:schemeClr val="accent1">
+                <a:shade val="15000"/>
+              </a:schemeClr>
+            </a:lnRef>
+            <a:fillRef idx="1">
+              <a:schemeClr val="accent1"/>
+            </a:fillRef>
+            <a:effectRef idx="0">
+              <a:schemeClr val="accent1"/>
+            </a:effectRef>
+            <a:fontRef idx="minor">
+              <a:schemeClr val="lt1"/>
+            </a:fontRef>
+          </p:style>
+          <p:txBody>
+            <a:bodyPr rtlCol="0" anchor="ctr"/>
+            <a:lstStyle/>
+            <a:p>
+              <a:pPr algn="ctr"/>
+              <a:endParaRPr lang="en-US"/>
+            </a:p>
+          </p:txBody>
+        </p:sp>
+        <p:sp>
+          <p:nvSpPr>
+            <p:cNvPr id="19" name="Rectangle: Top Corners Rounded 18">
+              <a:extLst>
+                <a:ext uri="{FF2B5EF4-FFF2-40B4-BE49-F238E27FC236}">
+                  <a16:creationId xmlns:a16="http://schemas.microsoft.com/office/drawing/2014/main" id="{60579294-2572-0998-6E63-2E449CC1FA38}"/>
+                </a:ext>
+              </a:extLst>
+            </p:cNvPr>
+            <p:cNvSpPr/>
+            <p:nvPr/>
+          </p:nvSpPr>
+          <p:spPr>
+            <a:xfrm>
+              <a:off x="871218" y="4136286"/>
+              <a:ext cx="2641447" cy="1755879"/>
+            </a:xfrm>
+            <a:prstGeom prst="round2SameRect">
+              <a:avLst/>
+            </a:prstGeom>
+            <a:solidFill>
+              <a:srgbClr val="434343"/>
+            </a:solidFill>
+            <a:ln>
+              <a:noFill/>
+            </a:ln>
+          </p:spPr>
+          <p:style>
+            <a:lnRef idx="2">
+              <a:schemeClr val="accent1">
+                <a:shade val="15000"/>
+              </a:schemeClr>
+            </a:lnRef>
+            <a:fillRef idx="1">
+              <a:schemeClr val="accent1"/>
+            </a:fillRef>
+            <a:effectRef idx="0">
+              <a:schemeClr val="accent1"/>
+            </a:effectRef>
+            <a:fontRef idx="minor">
+              <a:schemeClr val="lt1"/>
+            </a:fontRef>
+          </p:style>
+          <p:txBody>
+            <a:bodyPr rtlCol="0" anchor="ctr"/>
+            <a:lstStyle/>
+            <a:p>
+              <a:pPr algn="ctr"/>
+              <a:endParaRPr lang="en-US"/>
+            </a:p>
+          </p:txBody>
+        </p:sp>
+        <p:sp>
+          <p:nvSpPr>
+            <p:cNvPr id="20" name="TextBox 19">
+              <a:extLst>
+                <a:ext uri="{FF2B5EF4-FFF2-40B4-BE49-F238E27FC236}">
+                  <a16:creationId xmlns:a16="http://schemas.microsoft.com/office/drawing/2014/main" id="{B5CEDCAA-3141-ACBB-1AB7-EEDEB66F5B8F}"/>
+                </a:ext>
+              </a:extLst>
+            </p:cNvPr>
+            <p:cNvSpPr txBox="1"/>
+            <p:nvPr/>
+          </p:nvSpPr>
+          <p:spPr>
+            <a:xfrm>
+              <a:off x="1616107" y="2020691"/>
+              <a:ext cx="1190965" cy="246221"/>
+            </a:xfrm>
+            <a:prstGeom prst="rect">
+              <a:avLst/>
+            </a:prstGeom>
+            <a:noFill/>
+          </p:spPr>
+          <p:txBody>
+            <a:bodyPr wrap="square" rtlCol="0">
+              <a:spAutoFit/>
+            </a:bodyPr>
+            <a:lstStyle/>
+            <a:p>
+              <a:r>
+                <a:rPr lang="en-US" sz="1000" b="1" dirty="0">
+                  <a:solidFill>
+                    <a:schemeClr val="bg1"/>
+                  </a:solidFill>
+                  <a:latin typeface="Century" panose="02040604050505020304" pitchFamily="18" charset="0"/>
+                  <a:cs typeface="Arial" panose="020B0604020202020204" pitchFamily="34" charset="0"/>
+                </a:rPr>
+                <a:t>Maggie Johnson</a:t>
+              </a:r>
+            </a:p>
+          </p:txBody>
+        </p:sp>
+        <p:pic>
+          <p:nvPicPr>
+            <p:cNvPr id="1032" name="Picture 8" descr="Game badges button in circle frame with wings and heart 20576749 PNG">
+              <a:extLst>
+                <a:ext uri="{FF2B5EF4-FFF2-40B4-BE49-F238E27FC236}">
+                  <a16:creationId xmlns:a16="http://schemas.microsoft.com/office/drawing/2014/main" id="{E4108969-ECB7-FFD1-09E7-80DF1C32CA73}"/>
+                </a:ext>
+              </a:extLst>
+            </p:cNvPr>
+            <p:cNvPicPr>
+              <a:picLocks noChangeAspect="1" noChangeArrowheads="1"/>
+            </p:cNvPicPr>
+            <p:nvPr/>
+          </p:nvPicPr>
+          <p:blipFill rotWithShape="1">
+            <a:blip r:embed="rId4">
+              <a:extLst>
+                <a:ext uri="{28A0092B-C50C-407E-A947-70E740481C1C}">
+                  <a14:useLocalDpi xmlns:a14="http://schemas.microsoft.com/office/drawing/2010/main" val="0"/>
+                </a:ext>
+              </a:extLst>
+            </a:blip>
+            <a:srcRect t="41647" r="63177" b="22824"/>
+            <a:stretch/>
+          </p:blipFill>
+          <p:spPr bwMode="auto">
+            <a:xfrm>
+              <a:off x="1216218" y="2761769"/>
+              <a:ext cx="280826" cy="180638"/>
+            </a:xfrm>
+            <a:prstGeom prst="rect">
+              <a:avLst/>
+            </a:prstGeom>
+            <a:noFill/>
+            <a:extLst>
+              <a:ext uri="{909E8E84-426E-40DD-AFC4-6F175D3DCCD1}">
+                <a14:hiddenFill xmlns:a14="http://schemas.microsoft.com/office/drawing/2010/main">
+                  <a:solidFill>
+                    <a:srgbClr val="FFFFFF"/>
+                  </a:solidFill>
+                </a14:hiddenFill>
+              </a:ext>
+            </a:extLst>
+          </p:spPr>
+        </p:pic>
+        <p:sp>
+          <p:nvSpPr>
+            <p:cNvPr id="21" name="TextBox 20">
+              <a:extLst>
+                <a:ext uri="{FF2B5EF4-FFF2-40B4-BE49-F238E27FC236}">
+                  <a16:creationId xmlns:a16="http://schemas.microsoft.com/office/drawing/2014/main" id="{0768C679-E701-22AE-2F09-8C6F931FA7AE}"/>
+                </a:ext>
+              </a:extLst>
+            </p:cNvPr>
+            <p:cNvSpPr txBox="1"/>
+            <p:nvPr/>
+          </p:nvSpPr>
+          <p:spPr>
+            <a:xfrm>
+              <a:off x="1451324" y="2729660"/>
+              <a:ext cx="2265610" cy="230832"/>
+            </a:xfrm>
+            <a:prstGeom prst="rect">
+              <a:avLst/>
+            </a:prstGeom>
+            <a:noFill/>
+          </p:spPr>
+          <p:txBody>
+            <a:bodyPr wrap="square" rtlCol="0">
+              <a:spAutoFit/>
+            </a:bodyPr>
+            <a:lstStyle/>
+            <a:p>
+              <a:r>
+                <a:rPr lang="en-US" sz="900" b="1" dirty="0">
+                  <a:solidFill>
+                    <a:schemeClr val="bg1"/>
+                  </a:solidFill>
+                  <a:latin typeface="Century" panose="02040604050505020304" pitchFamily="18" charset="0"/>
+                  <a:cs typeface="Arial" panose="020B0604020202020204" pitchFamily="34" charset="0"/>
+                </a:rPr>
+                <a:t>Level 1: Newbie on the Street</a:t>
+              </a:r>
+            </a:p>
+          </p:txBody>
+        </p:sp>
+        <p:sp>
+          <p:nvSpPr>
+            <p:cNvPr id="23" name="TextBox 22">
+              <a:extLst>
+                <a:ext uri="{FF2B5EF4-FFF2-40B4-BE49-F238E27FC236}">
+                  <a16:creationId xmlns:a16="http://schemas.microsoft.com/office/drawing/2014/main" id="{1FD94584-46A7-028F-1AFA-061957FC82B0}"/>
+                </a:ext>
+              </a:extLst>
+            </p:cNvPr>
+            <p:cNvSpPr txBox="1"/>
+            <p:nvPr/>
+          </p:nvSpPr>
+          <p:spPr>
+            <a:xfrm>
+              <a:off x="1386966" y="3092180"/>
+              <a:ext cx="660815" cy="480709"/>
+            </a:xfrm>
+            <a:prstGeom prst="rect">
+              <a:avLst/>
+            </a:prstGeom>
+            <a:noFill/>
+          </p:spPr>
+          <p:txBody>
+            <a:bodyPr wrap="square" rtlCol="0">
+              <a:spAutoFit/>
+            </a:bodyPr>
+            <a:lstStyle/>
+            <a:p>
+              <a:pPr>
+                <a:lnSpc>
+                  <a:spcPct val="150000"/>
+                </a:lnSpc>
+              </a:pPr>
+              <a:r>
+                <a:rPr lang="en-US" sz="900" b="1" dirty="0">
+                  <a:solidFill>
+                    <a:schemeClr val="bg1"/>
+                  </a:solidFill>
+                  <a:latin typeface="Century" panose="02040604050505020304" pitchFamily="18" charset="0"/>
+                  <a:cs typeface="Arial" panose="020B0604020202020204" pitchFamily="34" charset="0"/>
+                </a:rPr>
+                <a:t>Gaming </a:t>
+              </a:r>
+            </a:p>
+            <a:p>
+              <a:pPr>
+                <a:lnSpc>
+                  <a:spcPct val="150000"/>
+                </a:lnSpc>
+              </a:pPr>
+              <a:r>
+                <a:rPr lang="en-US" sz="900" b="1" dirty="0">
+                  <a:solidFill>
+                    <a:schemeClr val="bg1"/>
+                  </a:solidFill>
+                  <a:latin typeface="Century" panose="02040604050505020304" pitchFamily="18" charset="0"/>
+                  <a:cs typeface="Arial" panose="020B0604020202020204" pitchFamily="34" charset="0"/>
+                </a:rPr>
+                <a:t>Hours</a:t>
+              </a:r>
+            </a:p>
+          </p:txBody>
+        </p:sp>
+        <p:sp>
+          <p:nvSpPr>
+            <p:cNvPr id="24" name="TextBox 23">
+              <a:extLst>
+                <a:ext uri="{FF2B5EF4-FFF2-40B4-BE49-F238E27FC236}">
+                  <a16:creationId xmlns:a16="http://schemas.microsoft.com/office/drawing/2014/main" id="{C69F1FD6-F877-D412-A0D8-C970D7A0C66B}"/>
+                </a:ext>
+              </a:extLst>
+            </p:cNvPr>
+            <p:cNvSpPr txBox="1"/>
+            <p:nvPr/>
+          </p:nvSpPr>
+          <p:spPr>
+            <a:xfrm>
+              <a:off x="2144415" y="3029917"/>
+              <a:ext cx="1423656" cy="601896"/>
+            </a:xfrm>
+            <a:prstGeom prst="rect">
+              <a:avLst/>
+            </a:prstGeom>
+            <a:noFill/>
+          </p:spPr>
+          <p:txBody>
+            <a:bodyPr wrap="square" rtlCol="0">
+              <a:spAutoFit/>
+            </a:bodyPr>
+            <a:lstStyle/>
+            <a:p>
+              <a:pPr marL="228600" indent="-228600">
+                <a:lnSpc>
+                  <a:spcPct val="200000"/>
+                </a:lnSpc>
+                <a:buAutoNum type="arabicPlain"/>
+              </a:pPr>
+              <a:r>
+                <a:rPr lang="en-US" sz="900" b="1" dirty="0">
+                  <a:solidFill>
+                    <a:schemeClr val="bg1"/>
+                  </a:solidFill>
+                  <a:latin typeface="Century" panose="02040604050505020304" pitchFamily="18" charset="0"/>
+                  <a:cs typeface="Arial" panose="020B0604020202020204" pitchFamily="34" charset="0"/>
+                </a:rPr>
+                <a:t>Games Played</a:t>
+              </a:r>
+            </a:p>
+            <a:p>
+              <a:pPr>
+                <a:lnSpc>
+                  <a:spcPct val="200000"/>
+                </a:lnSpc>
+              </a:pPr>
+              <a:r>
+                <a:rPr lang="en-US" sz="900" b="1" dirty="0">
+                  <a:solidFill>
+                    <a:schemeClr val="bg1"/>
+                  </a:solidFill>
+                  <a:latin typeface="Century" panose="02040604050505020304" pitchFamily="18" charset="0"/>
+                  <a:cs typeface="Arial" panose="020B0604020202020204" pitchFamily="34" charset="0"/>
+                </a:rPr>
+                <a:t>0     Games Created</a:t>
+              </a:r>
+            </a:p>
+          </p:txBody>
+        </p:sp>
+        <p:cxnSp>
+          <p:nvCxnSpPr>
+            <p:cNvPr id="26" name="Straight Connector 25">
+              <a:extLst>
+                <a:ext uri="{FF2B5EF4-FFF2-40B4-BE49-F238E27FC236}">
+                  <a16:creationId xmlns:a16="http://schemas.microsoft.com/office/drawing/2014/main" id="{1330D9DB-2DCA-4873-CACF-E3DD86EF7150}"/>
+                </a:ext>
+              </a:extLst>
+            </p:cNvPr>
+            <p:cNvCxnSpPr/>
+            <p:nvPr/>
+          </p:nvCxnSpPr>
+          <p:spPr>
+            <a:xfrm>
+              <a:off x="2093635" y="3108623"/>
+              <a:ext cx="0" cy="542969"/>
+            </a:xfrm>
+            <a:prstGeom prst="line">
+              <a:avLst/>
+            </a:prstGeom>
+            <a:ln>
+              <a:solidFill>
+                <a:schemeClr val="bg1"/>
+              </a:solidFill>
+            </a:ln>
+          </p:spPr>
+          <p:style>
+            <a:lnRef idx="1">
+              <a:schemeClr val="accent1"/>
+            </a:lnRef>
+            <a:fillRef idx="0">
+              <a:schemeClr val="accent1"/>
+            </a:fillRef>
+            <a:effectRef idx="0">
+              <a:schemeClr val="accent1"/>
+            </a:effectRef>
+            <a:fontRef idx="minor">
+              <a:schemeClr val="tx1"/>
+            </a:fontRef>
+          </p:style>
+        </p:cxnSp>
+        <p:sp>
+          <p:nvSpPr>
+            <p:cNvPr id="27" name="TextBox 26">
+              <a:extLst>
+                <a:ext uri="{FF2B5EF4-FFF2-40B4-BE49-F238E27FC236}">
+                  <a16:creationId xmlns:a16="http://schemas.microsoft.com/office/drawing/2014/main" id="{512C62EF-4905-6150-4D52-7B3FDCA939F0}"/>
+                </a:ext>
+              </a:extLst>
+            </p:cNvPr>
+            <p:cNvSpPr txBox="1"/>
+            <p:nvPr/>
+          </p:nvSpPr>
+          <p:spPr>
+            <a:xfrm>
+              <a:off x="1017578" y="2894273"/>
+              <a:ext cx="660815" cy="734753"/>
+            </a:xfrm>
+            <a:prstGeom prst="rect">
+              <a:avLst/>
+            </a:prstGeom>
+            <a:noFill/>
+          </p:spPr>
+          <p:txBody>
+            <a:bodyPr wrap="square" rtlCol="0">
+              <a:spAutoFit/>
+            </a:bodyPr>
+            <a:lstStyle/>
+            <a:p>
+              <a:pPr>
+                <a:lnSpc>
+                  <a:spcPct val="150000"/>
+                </a:lnSpc>
+              </a:pPr>
+              <a:r>
+                <a:rPr lang="en-US" sz="3200" b="1" dirty="0">
+                  <a:solidFill>
+                    <a:schemeClr val="bg1"/>
+                  </a:solidFill>
+                  <a:latin typeface="Century" panose="02040604050505020304" pitchFamily="18" charset="0"/>
+                  <a:cs typeface="Arial" panose="020B0604020202020204" pitchFamily="34" charset="0"/>
+                </a:rPr>
+                <a:t>2</a:t>
+              </a:r>
+            </a:p>
+          </p:txBody>
+        </p:sp>
+        <p:sp>
+          <p:nvSpPr>
+            <p:cNvPr id="28" name="TextBox 27">
+              <a:extLst>
+                <a:ext uri="{FF2B5EF4-FFF2-40B4-BE49-F238E27FC236}">
+                  <a16:creationId xmlns:a16="http://schemas.microsoft.com/office/drawing/2014/main" id="{866201E0-016B-7A15-A991-72CC0402E58F}"/>
+                </a:ext>
+              </a:extLst>
+            </p:cNvPr>
+            <p:cNvSpPr txBox="1"/>
+            <p:nvPr/>
+          </p:nvSpPr>
+          <p:spPr>
+            <a:xfrm>
+              <a:off x="1307514" y="4231940"/>
+              <a:ext cx="1768853" cy="230832"/>
+            </a:xfrm>
+            <a:prstGeom prst="rect">
+              <a:avLst/>
+            </a:prstGeom>
+            <a:noFill/>
+          </p:spPr>
+          <p:txBody>
+            <a:bodyPr wrap="square" rtlCol="0">
+              <a:spAutoFit/>
+            </a:bodyPr>
+            <a:lstStyle/>
+            <a:p>
+              <a:pPr algn="ctr"/>
+              <a:r>
+                <a:rPr lang="en-US" sz="900" b="1" dirty="0">
+                  <a:solidFill>
+                    <a:schemeClr val="bg1"/>
+                  </a:solidFill>
+                  <a:latin typeface="Century" panose="02040604050505020304" pitchFamily="18" charset="0"/>
+                  <a:cs typeface="Arial" panose="020B0604020202020204" pitchFamily="34" charset="0"/>
+                </a:rPr>
+                <a:t>User Information</a:t>
+              </a:r>
+            </a:p>
+          </p:txBody>
+        </p:sp>
+        <p:cxnSp>
+          <p:nvCxnSpPr>
+            <p:cNvPr id="29" name="Straight Connector 28">
+              <a:extLst>
+                <a:ext uri="{FF2B5EF4-FFF2-40B4-BE49-F238E27FC236}">
+                  <a16:creationId xmlns:a16="http://schemas.microsoft.com/office/drawing/2014/main" id="{EE4321F6-9CE5-6F7D-E689-BCD8F4617FA7}"/>
+                </a:ext>
+              </a:extLst>
+            </p:cNvPr>
+            <p:cNvCxnSpPr>
+              <a:cxnSpLocks/>
+            </p:cNvCxnSpPr>
+            <p:nvPr/>
+          </p:nvCxnSpPr>
+          <p:spPr>
+            <a:xfrm>
+              <a:off x="1986955" y="4623363"/>
+              <a:ext cx="0" cy="1268802"/>
+            </a:xfrm>
+            <a:prstGeom prst="line">
+              <a:avLst/>
+            </a:prstGeom>
+            <a:ln>
+              <a:solidFill>
+                <a:schemeClr val="bg1"/>
+              </a:solidFill>
+            </a:ln>
+          </p:spPr>
+          <p:style>
+            <a:lnRef idx="1">
+              <a:schemeClr val="accent1"/>
+            </a:lnRef>
+            <a:fillRef idx="0">
+              <a:schemeClr val="accent1"/>
+            </a:fillRef>
+            <a:effectRef idx="0">
+              <a:schemeClr val="accent1"/>
+            </a:effectRef>
+            <a:fontRef idx="minor">
+              <a:schemeClr val="tx1"/>
+            </a:fontRef>
+          </p:style>
+        </p:cxnSp>
+        <p:sp>
+          <p:nvSpPr>
+            <p:cNvPr id="34" name="TextBox 33">
+              <a:extLst>
+                <a:ext uri="{FF2B5EF4-FFF2-40B4-BE49-F238E27FC236}">
+                  <a16:creationId xmlns:a16="http://schemas.microsoft.com/office/drawing/2014/main" id="{44C6472E-5253-D9FC-9B2A-F9E7354B1FA8}"/>
+                </a:ext>
+              </a:extLst>
+            </p:cNvPr>
+            <p:cNvSpPr txBox="1"/>
+            <p:nvPr/>
+          </p:nvSpPr>
+          <p:spPr>
+            <a:xfrm>
+              <a:off x="559277" y="4613942"/>
+              <a:ext cx="1768853" cy="567271"/>
+            </a:xfrm>
+            <a:prstGeom prst="rect">
+              <a:avLst/>
+            </a:prstGeom>
+            <a:noFill/>
+          </p:spPr>
+          <p:txBody>
+            <a:bodyPr wrap="square" rtlCol="0">
+              <a:spAutoFit/>
+            </a:bodyPr>
+            <a:lstStyle/>
+            <a:p>
+              <a:pPr algn="ctr"/>
+              <a:r>
+                <a:rPr lang="en-US" sz="900" b="1" dirty="0">
+                  <a:solidFill>
+                    <a:schemeClr val="bg1"/>
+                  </a:solidFill>
+                  <a:latin typeface="Century" panose="02040604050505020304" pitchFamily="18" charset="0"/>
+                  <a:cs typeface="Arial" panose="020B0604020202020204" pitchFamily="34" charset="0"/>
+                </a:rPr>
+                <a:t>Email Address</a:t>
+              </a:r>
+            </a:p>
+            <a:p>
+              <a:pPr algn="ctr">
+                <a:lnSpc>
+                  <a:spcPct val="300000"/>
+                </a:lnSpc>
+              </a:pPr>
+              <a:r>
+                <a:rPr lang="en-US" sz="900" b="1" dirty="0">
+                  <a:solidFill>
+                    <a:schemeClr val="bg1"/>
+                  </a:solidFill>
+                  <a:latin typeface="Century" panose="02040604050505020304" pitchFamily="18" charset="0"/>
+                  <a:cs typeface="Arial" panose="020B0604020202020204" pitchFamily="34" charset="0"/>
+                </a:rPr>
+                <a:t>Phone Number </a:t>
+              </a:r>
+            </a:p>
+          </p:txBody>
+        </p:sp>
+        <p:sp>
+          <p:nvSpPr>
+            <p:cNvPr id="35" name="TextBox 34">
+              <a:extLst>
+                <a:ext uri="{FF2B5EF4-FFF2-40B4-BE49-F238E27FC236}">
+                  <a16:creationId xmlns:a16="http://schemas.microsoft.com/office/drawing/2014/main" id="{426A39B0-ECE7-7C91-43E4-519516D7875F}"/>
+                </a:ext>
+              </a:extLst>
+            </p:cNvPr>
+            <p:cNvSpPr txBox="1"/>
+            <p:nvPr/>
+          </p:nvSpPr>
+          <p:spPr>
+            <a:xfrm>
+              <a:off x="2009681" y="4601205"/>
+              <a:ext cx="1768853" cy="584775"/>
+            </a:xfrm>
+            <a:prstGeom prst="rect">
+              <a:avLst/>
+            </a:prstGeom>
+            <a:noFill/>
+          </p:spPr>
+          <p:txBody>
+            <a:bodyPr wrap="square" rtlCol="0">
+              <a:spAutoFit/>
+            </a:bodyPr>
+            <a:lstStyle/>
+            <a:p>
+              <a:r>
+                <a:rPr lang="en-US" sz="900" b="1" dirty="0">
+                  <a:solidFill>
+                    <a:schemeClr val="bg1"/>
+                  </a:solidFill>
+                  <a:latin typeface="Century" panose="02040604050505020304" pitchFamily="18" charset="0"/>
+                  <a:cs typeface="Arial" panose="020B0604020202020204" pitchFamily="34" charset="0"/>
+                </a:rPr>
+                <a:t>maggie.johnson@xx.com</a:t>
+              </a:r>
+            </a:p>
+            <a:p>
+              <a:endParaRPr lang="en-US" sz="1400" b="1" dirty="0">
+                <a:solidFill>
+                  <a:schemeClr val="bg1"/>
+                </a:solidFill>
+                <a:latin typeface="Century" panose="02040604050505020304" pitchFamily="18" charset="0"/>
+                <a:cs typeface="Arial" panose="020B0604020202020204" pitchFamily="34" charset="0"/>
+              </a:endParaRPr>
+            </a:p>
+            <a:p>
+              <a:r>
+                <a:rPr lang="en-US" sz="900" b="1" dirty="0">
+                  <a:solidFill>
+                    <a:schemeClr val="bg1"/>
+                  </a:solidFill>
+                  <a:latin typeface="Century" panose="02040604050505020304" pitchFamily="18" charset="0"/>
+                  <a:cs typeface="Arial" panose="020B0604020202020204" pitchFamily="34" charset="0"/>
+                </a:rPr>
+                <a:t>(201) xxx - </a:t>
+              </a:r>
+              <a:r>
+                <a:rPr lang="en-US" sz="900" b="1" dirty="0" err="1">
+                  <a:solidFill>
+                    <a:schemeClr val="bg1"/>
+                  </a:solidFill>
+                  <a:latin typeface="Century" panose="02040604050505020304" pitchFamily="18" charset="0"/>
+                  <a:cs typeface="Arial" panose="020B0604020202020204" pitchFamily="34" charset="0"/>
+                </a:rPr>
+                <a:t>xxxx</a:t>
+              </a:r>
+              <a:endParaRPr lang="en-US" sz="900" b="1" dirty="0">
+                <a:solidFill>
+                  <a:schemeClr val="bg1"/>
+                </a:solidFill>
+                <a:latin typeface="Century" panose="02040604050505020304" pitchFamily="18" charset="0"/>
+                <a:cs typeface="Arial" panose="020B0604020202020204" pitchFamily="34" charset="0"/>
+              </a:endParaRPr>
+            </a:p>
+          </p:txBody>
+        </p:sp>
+        <p:cxnSp>
+          <p:nvCxnSpPr>
+            <p:cNvPr id="37" name="Straight Connector 36">
+              <a:extLst>
+                <a:ext uri="{FF2B5EF4-FFF2-40B4-BE49-F238E27FC236}">
+                  <a16:creationId xmlns:a16="http://schemas.microsoft.com/office/drawing/2014/main" id="{3EE96446-4E73-8341-7FCB-0B46F2533F31}"/>
+                </a:ext>
+              </a:extLst>
+            </p:cNvPr>
+            <p:cNvCxnSpPr>
+              <a:cxnSpLocks/>
+            </p:cNvCxnSpPr>
+            <p:nvPr/>
+          </p:nvCxnSpPr>
+          <p:spPr>
+            <a:xfrm flipV="1">
+              <a:off x="4074533" y="1959443"/>
+              <a:ext cx="6578600" cy="16470"/>
+            </a:xfrm>
+            <a:prstGeom prst="line">
+              <a:avLst/>
+            </a:prstGeom>
+            <a:ln w="28575">
+              <a:solidFill>
+                <a:srgbClr val="A9A9A9"/>
+              </a:solidFill>
+            </a:ln>
+          </p:spPr>
+          <p:style>
+            <a:lnRef idx="1">
+              <a:schemeClr val="accent1"/>
+            </a:lnRef>
+            <a:fillRef idx="0">
+              <a:schemeClr val="accent1"/>
+            </a:fillRef>
+            <a:effectRef idx="0">
+              <a:schemeClr val="accent1"/>
+            </a:effectRef>
+            <a:fontRef idx="minor">
+              <a:schemeClr val="tx1"/>
+            </a:fontRef>
+          </p:style>
+        </p:cxnSp>
+        <p:cxnSp>
+          <p:nvCxnSpPr>
+            <p:cNvPr id="38" name="Straight Connector 37">
+              <a:extLst>
+                <a:ext uri="{FF2B5EF4-FFF2-40B4-BE49-F238E27FC236}">
+                  <a16:creationId xmlns:a16="http://schemas.microsoft.com/office/drawing/2014/main" id="{12D490D9-12E8-7C48-4942-BA43EDCD6D39}"/>
+                </a:ext>
+              </a:extLst>
+            </p:cNvPr>
+            <p:cNvCxnSpPr>
+              <a:cxnSpLocks/>
+            </p:cNvCxnSpPr>
+            <p:nvPr/>
+          </p:nvCxnSpPr>
+          <p:spPr>
+            <a:xfrm flipV="1">
+              <a:off x="4074533" y="3820421"/>
+              <a:ext cx="6578600" cy="16470"/>
+            </a:xfrm>
+            <a:prstGeom prst="line">
+              <a:avLst/>
+            </a:prstGeom>
+            <a:ln w="28575">
+              <a:solidFill>
+                <a:srgbClr val="A9A9A9"/>
+              </a:solidFill>
+            </a:ln>
+          </p:spPr>
+          <p:style>
+            <a:lnRef idx="1">
+              <a:schemeClr val="accent1"/>
+            </a:lnRef>
+            <a:fillRef idx="0">
+              <a:schemeClr val="accent1"/>
+            </a:fillRef>
+            <a:effectRef idx="0">
+              <a:schemeClr val="accent1"/>
+            </a:effectRef>
+            <a:fontRef idx="minor">
+              <a:schemeClr val="tx1"/>
+            </a:fontRef>
+          </p:style>
+        </p:cxnSp>
+        <p:sp>
+          <p:nvSpPr>
+            <p:cNvPr id="39" name="TextBox 38">
+              <a:extLst>
+                <a:ext uri="{FF2B5EF4-FFF2-40B4-BE49-F238E27FC236}">
+                  <a16:creationId xmlns:a16="http://schemas.microsoft.com/office/drawing/2014/main" id="{22A8BD65-EE09-1782-0492-C12201B58E26}"/>
+                </a:ext>
+              </a:extLst>
+            </p:cNvPr>
+            <p:cNvSpPr txBox="1"/>
+            <p:nvPr/>
+          </p:nvSpPr>
+          <p:spPr>
+            <a:xfrm>
+              <a:off x="4034597" y="314325"/>
+              <a:ext cx="1190965" cy="307777"/>
+            </a:xfrm>
+            <a:prstGeom prst="rect">
+              <a:avLst/>
+            </a:prstGeom>
+            <a:noFill/>
+          </p:spPr>
+          <p:txBody>
+            <a:bodyPr wrap="square" rtlCol="0">
+              <a:spAutoFit/>
+            </a:bodyPr>
+            <a:lstStyle/>
+            <a:p>
+              <a:r>
+                <a:rPr lang="en-US" sz="1400" b="1" dirty="0">
+                  <a:latin typeface="Cambria" panose="02040503050406030204" pitchFamily="18" charset="0"/>
+                  <a:ea typeface="Cambria" panose="02040503050406030204" pitchFamily="18" charset="0"/>
+                  <a:cs typeface="Arial" panose="020B0604020202020204" pitchFamily="34" charset="0"/>
+                </a:rPr>
+                <a:t>My Games</a:t>
+              </a:r>
+            </a:p>
+          </p:txBody>
+        </p:sp>
+        <p:sp>
+          <p:nvSpPr>
+            <p:cNvPr id="40" name="TextBox 39">
+              <a:extLst>
+                <a:ext uri="{FF2B5EF4-FFF2-40B4-BE49-F238E27FC236}">
+                  <a16:creationId xmlns:a16="http://schemas.microsoft.com/office/drawing/2014/main" id="{5580662E-C4EE-A121-95BA-24D82F0DE133}"/>
+                </a:ext>
+              </a:extLst>
+            </p:cNvPr>
+            <p:cNvSpPr txBox="1"/>
+            <p:nvPr/>
+          </p:nvSpPr>
+          <p:spPr>
+            <a:xfrm>
+              <a:off x="4034597" y="2011513"/>
+              <a:ext cx="1726192" cy="307777"/>
+            </a:xfrm>
+            <a:prstGeom prst="rect">
+              <a:avLst/>
+            </a:prstGeom>
+            <a:noFill/>
+          </p:spPr>
+          <p:txBody>
+            <a:bodyPr wrap="square" rtlCol="0">
+              <a:spAutoFit/>
+            </a:bodyPr>
+            <a:lstStyle/>
+            <a:p>
+              <a:r>
+                <a:rPr lang="en-US" sz="1400" b="1" dirty="0">
+                  <a:latin typeface="Cambria" panose="02040503050406030204" pitchFamily="18" charset="0"/>
+                  <a:ea typeface="Cambria" panose="02040503050406030204" pitchFamily="18" charset="0"/>
+                  <a:cs typeface="Arial" panose="020B0604020202020204" pitchFamily="34" charset="0"/>
+                </a:rPr>
+                <a:t>Community Share</a:t>
+              </a:r>
+            </a:p>
+          </p:txBody>
+        </p:sp>
+        <p:sp>
+          <p:nvSpPr>
+            <p:cNvPr id="41" name="TextBox 40">
+              <a:extLst>
+                <a:ext uri="{FF2B5EF4-FFF2-40B4-BE49-F238E27FC236}">
+                  <a16:creationId xmlns:a16="http://schemas.microsoft.com/office/drawing/2014/main" id="{08F2DDAF-60C3-7121-5E5E-DC0178D9A95E}"/>
+                </a:ext>
+              </a:extLst>
+            </p:cNvPr>
+            <p:cNvSpPr txBox="1"/>
+            <p:nvPr/>
+          </p:nvSpPr>
+          <p:spPr>
+            <a:xfrm>
+              <a:off x="4034597" y="3913091"/>
+              <a:ext cx="1726192" cy="307777"/>
+            </a:xfrm>
+            <a:prstGeom prst="rect">
+              <a:avLst/>
+            </a:prstGeom>
+            <a:noFill/>
+          </p:spPr>
+          <p:txBody>
+            <a:bodyPr wrap="square" rtlCol="0">
+              <a:spAutoFit/>
+            </a:bodyPr>
+            <a:lstStyle/>
+            <a:p>
+              <a:r>
+                <a:rPr lang="en-US" sz="1400" b="1" dirty="0">
+                  <a:latin typeface="Cambria" panose="02040503050406030204" pitchFamily="18" charset="0"/>
+                  <a:ea typeface="Cambria" panose="02040503050406030204" pitchFamily="18" charset="0"/>
+                  <a:cs typeface="Arial" panose="020B0604020202020204" pitchFamily="34" charset="0"/>
+                </a:rPr>
+                <a:t>Recently Played</a:t>
+              </a:r>
+            </a:p>
+          </p:txBody>
+        </p:sp>
+        <p:sp>
+          <p:nvSpPr>
+            <p:cNvPr id="42" name="Rectangle: Rounded Corners 41">
+              <a:extLst>
+                <a:ext uri="{FF2B5EF4-FFF2-40B4-BE49-F238E27FC236}">
+                  <a16:creationId xmlns:a16="http://schemas.microsoft.com/office/drawing/2014/main" id="{D437E787-F5C4-DC01-96F7-41DF7012A483}"/>
+                </a:ext>
+              </a:extLst>
+            </p:cNvPr>
+            <p:cNvSpPr/>
+            <p:nvPr/>
+          </p:nvSpPr>
+          <p:spPr>
+            <a:xfrm>
+              <a:off x="9690068" y="2053725"/>
+              <a:ext cx="904875" cy="291307"/>
+            </a:xfrm>
+            <a:prstGeom prst="roundRect">
+              <a:avLst/>
+            </a:prstGeom>
+            <a:gradFill>
+              <a:gsLst>
+                <a:gs pos="100000">
+                  <a:schemeClr val="bg2">
+                    <a:lumMod val="50000"/>
+                  </a:schemeClr>
+                </a:gs>
+                <a:gs pos="0">
+                  <a:srgbClr val="979797"/>
+                </a:gs>
+              </a:gsLst>
+              <a:lin ang="5400000" scaled="1"/>
+            </a:gradFill>
+            <a:ln>
+              <a:noFill/>
+            </a:ln>
+            <a:effectLst>
+              <a:outerShdw blurRad="50800" dist="38100" dir="2700000" algn="tl" rotWithShape="0">
+                <a:prstClr val="black">
+                  <a:alpha val="40000"/>
+                </a:prstClr>
+              </a:outerShdw>
+            </a:effectLst>
+          </p:spPr>
+          <p:style>
+            <a:lnRef idx="2">
+              <a:schemeClr val="accent1">
+                <a:shade val="15000"/>
+              </a:schemeClr>
+            </a:lnRef>
+            <a:fillRef idx="1">
+              <a:schemeClr val="accent1"/>
+            </a:fillRef>
+            <a:effectRef idx="0">
+              <a:schemeClr val="accent1"/>
+            </a:effectRef>
+            <a:fontRef idx="minor">
+              <a:schemeClr val="lt1"/>
+            </a:fontRef>
+          </p:style>
+          <p:txBody>
+            <a:bodyPr rtlCol="0" anchor="ctr"/>
+            <a:lstStyle/>
+            <a:p>
+              <a:pPr algn="ctr"/>
+              <a:r>
+                <a:rPr lang="en-US" sz="1100" b="1" dirty="0">
+                  <a:latin typeface="Cambria" panose="02040503050406030204" pitchFamily="18" charset="0"/>
+                  <a:ea typeface="Cambria" panose="02040503050406030204" pitchFamily="18" charset="0"/>
+                </a:rPr>
+                <a:t>Browse</a:t>
+              </a:r>
+            </a:p>
+          </p:txBody>
+        </p:sp>
+        <p:pic>
+          <p:nvPicPr>
+            <p:cNvPr id="46" name="Graphic 45" descr="Hamburger Menu Icon outline">
+              <a:extLst>
+                <a:ext uri="{FF2B5EF4-FFF2-40B4-BE49-F238E27FC236}">
+                  <a16:creationId xmlns:a16="http://schemas.microsoft.com/office/drawing/2014/main" id="{672B8842-7739-A8CB-1C3F-43E4281E84BA}"/>
+                </a:ext>
+              </a:extLst>
+            </p:cNvPr>
+            <p:cNvPicPr>
+              <a:picLocks noChangeAspect="1"/>
+            </p:cNvPicPr>
+            <p:nvPr/>
+          </p:nvPicPr>
+          <p:blipFill>
+            <a:blip r:embed="rId5">
+              <a:extLst>
+                <a:ext uri="{28A0092B-C50C-407E-A947-70E740481C1C}">
+                  <a14:useLocalDpi xmlns:a14="http://schemas.microsoft.com/office/drawing/2010/main" val="0"/>
+                </a:ext>
+                <a:ext uri="{96DAC541-7B7A-43D3-8B79-37D633B846F1}">
+                  <asvg:svgBlip xmlns:asvg="http://schemas.microsoft.com/office/drawing/2016/SVG/main" r:embed="rId6"/>
+                </a:ext>
+              </a:extLst>
+            </a:blip>
+            <a:stretch>
+              <a:fillRect/>
+            </a:stretch>
+          </p:blipFill>
+          <p:spPr>
+            <a:xfrm>
+              <a:off x="812471" y="51563"/>
+              <a:ext cx="399109" cy="399109"/>
+            </a:xfrm>
+            <a:prstGeom prst="rect">
+              <a:avLst/>
+            </a:prstGeom>
+            <a:effectLst>
+              <a:outerShdw blurRad="50800" dist="50800" dir="2700000" algn="tl" rotWithShape="0">
+                <a:prstClr val="black">
+                  <a:alpha val="54000"/>
+                </a:prstClr>
+              </a:outerShdw>
+            </a:effectLst>
+          </p:spPr>
+        </p:pic>
+      </p:grpSp>
+      <p:grpSp>
+        <p:nvGrpSpPr>
+          <p:cNvPr id="52" name="Group 51">
+            <a:extLst>
+              <a:ext uri="{FF2B5EF4-FFF2-40B4-BE49-F238E27FC236}">
+                <a16:creationId xmlns:a16="http://schemas.microsoft.com/office/drawing/2014/main" id="{B64F2572-A42F-760D-1FD1-D01DEC89331A}"/>
+              </a:ext>
+            </a:extLst>
+          </p:cNvPr>
+          <p:cNvGrpSpPr/>
+          <p:nvPr/>
+        </p:nvGrpSpPr>
+        <p:grpSpPr>
+          <a:xfrm>
+            <a:off x="8117651" y="5987287"/>
+            <a:ext cx="1295401" cy="967984"/>
+            <a:chOff x="4145726" y="1171991"/>
+            <a:chExt cx="1295401" cy="967984"/>
+          </a:xfrm>
+        </p:grpSpPr>
+        <p:sp>
+          <p:nvSpPr>
+            <p:cNvPr id="47" name="Rectangle: Rounded Corners 46">
+              <a:extLst>
+                <a:ext uri="{FF2B5EF4-FFF2-40B4-BE49-F238E27FC236}">
+                  <a16:creationId xmlns:a16="http://schemas.microsoft.com/office/drawing/2014/main" id="{6E59ACDD-7733-E25D-CBDF-7309BA0FF5F8}"/>
+                </a:ext>
+              </a:extLst>
+            </p:cNvPr>
+            <p:cNvSpPr/>
+            <p:nvPr/>
+          </p:nvSpPr>
+          <p:spPr>
+            <a:xfrm>
+              <a:off x="4145726" y="1171991"/>
+              <a:ext cx="1295400" cy="967984"/>
+            </a:xfrm>
+            <a:prstGeom prst="roundRect">
+              <a:avLst/>
+            </a:prstGeom>
+            <a:solidFill>
+              <a:srgbClr val="F0F0F0"/>
+            </a:solidFill>
+            <a:ln w="44450">
+              <a:solidFill>
+                <a:schemeClr val="accent4"/>
+              </a:solidFill>
+              <a:prstDash val="dash"/>
+              <a:extLst>
+                <a:ext uri="{C807C97D-BFC1-408E-A445-0C87EB9F89A2}">
+                  <ask:lineSketchStyleProps xmlns:ask="http://schemas.microsoft.com/office/drawing/2018/sketchyshapes" sd="1219033472">
+                    <a:custGeom>
+                      <a:avLst/>
+                      <a:gdLst>
+                        <a:gd name="connsiteX0" fmla="*/ 0 w 1295400"/>
+                        <a:gd name="connsiteY0" fmla="*/ 161334 h 967984"/>
+                        <a:gd name="connsiteX1" fmla="*/ 161334 w 1295400"/>
+                        <a:gd name="connsiteY1" fmla="*/ 0 h 967984"/>
+                        <a:gd name="connsiteX2" fmla="*/ 657427 w 1295400"/>
+                        <a:gd name="connsiteY2" fmla="*/ 0 h 967984"/>
+                        <a:gd name="connsiteX3" fmla="*/ 1134066 w 1295400"/>
+                        <a:gd name="connsiteY3" fmla="*/ 0 h 967984"/>
+                        <a:gd name="connsiteX4" fmla="*/ 1295400 w 1295400"/>
+                        <a:gd name="connsiteY4" fmla="*/ 161334 h 967984"/>
+                        <a:gd name="connsiteX5" fmla="*/ 1295400 w 1295400"/>
+                        <a:gd name="connsiteY5" fmla="*/ 471086 h 967984"/>
+                        <a:gd name="connsiteX6" fmla="*/ 1295400 w 1295400"/>
+                        <a:gd name="connsiteY6" fmla="*/ 806650 h 967984"/>
+                        <a:gd name="connsiteX7" fmla="*/ 1134066 w 1295400"/>
+                        <a:gd name="connsiteY7" fmla="*/ 967984 h 967984"/>
+                        <a:gd name="connsiteX8" fmla="*/ 637973 w 1295400"/>
+                        <a:gd name="connsiteY8" fmla="*/ 967984 h 967984"/>
+                        <a:gd name="connsiteX9" fmla="*/ 161334 w 1295400"/>
+                        <a:gd name="connsiteY9" fmla="*/ 967984 h 967984"/>
+                        <a:gd name="connsiteX10" fmla="*/ 0 w 1295400"/>
+                        <a:gd name="connsiteY10" fmla="*/ 806650 h 967984"/>
+                        <a:gd name="connsiteX11" fmla="*/ 0 w 1295400"/>
+                        <a:gd name="connsiteY11" fmla="*/ 477539 h 967984"/>
+                        <a:gd name="connsiteX12" fmla="*/ 0 w 1295400"/>
+                        <a:gd name="connsiteY12" fmla="*/ 161334 h 967984"/>
+                      </a:gdLst>
+                      <a:ahLst/>
+                      <a:cxnLst>
+                        <a:cxn ang="0">
+                          <a:pos x="connsiteX0" y="connsiteY0"/>
+                        </a:cxn>
+                        <a:cxn ang="0">
+                          <a:pos x="connsiteX1" y="connsiteY1"/>
+                        </a:cxn>
+                        <a:cxn ang="0">
+                          <a:pos x="connsiteX2" y="connsiteY2"/>
+                        </a:cxn>
+                        <a:cxn ang="0">
+                          <a:pos x="connsiteX3" y="connsiteY3"/>
+                        </a:cxn>
+                        <a:cxn ang="0">
+                          <a:pos x="connsiteX4" y="connsiteY4"/>
+                        </a:cxn>
+                        <a:cxn ang="0">
+                          <a:pos x="connsiteX5" y="connsiteY5"/>
+                        </a:cxn>
+                        <a:cxn ang="0">
+                          <a:pos x="connsiteX6" y="connsiteY6"/>
+                        </a:cxn>
+                        <a:cxn ang="0">
+                          <a:pos x="connsiteX7" y="connsiteY7"/>
+                        </a:cxn>
+                        <a:cxn ang="0">
+                          <a:pos x="connsiteX8" y="connsiteY8"/>
+                        </a:cxn>
+                        <a:cxn ang="0">
+                          <a:pos x="connsiteX9" y="connsiteY9"/>
+                        </a:cxn>
+                        <a:cxn ang="0">
+                          <a:pos x="connsiteX10" y="connsiteY10"/>
+                        </a:cxn>
+                        <a:cxn ang="0">
+                          <a:pos x="connsiteX11" y="connsiteY11"/>
+                        </a:cxn>
+                        <a:cxn ang="0">
+                          <a:pos x="connsiteX12" y="connsiteY12"/>
+                        </a:cxn>
+                      </a:cxnLst>
+                      <a:rect l="l" t="t" r="r" b="b"/>
+                      <a:pathLst>
+                        <a:path w="1295400" h="967984" fill="none" extrusionOk="0">
+                          <a:moveTo>
+                            <a:pt x="0" y="161334"/>
+                          </a:moveTo>
+                          <a:cubicBezTo>
+                            <a:pt x="-24533" y="76261"/>
+                            <a:pt x="55209" y="-11746"/>
+                            <a:pt x="161334" y="0"/>
+                          </a:cubicBezTo>
+                          <a:cubicBezTo>
+                            <a:pt x="314214" y="-24411"/>
+                            <a:pt x="493275" y="29044"/>
+                            <a:pt x="657427" y="0"/>
+                          </a:cubicBezTo>
+                          <a:cubicBezTo>
+                            <a:pt x="821579" y="-29044"/>
+                            <a:pt x="978371" y="2539"/>
+                            <a:pt x="1134066" y="0"/>
+                          </a:cubicBezTo>
+                          <a:cubicBezTo>
+                            <a:pt x="1221115" y="3671"/>
+                            <a:pt x="1308528" y="81987"/>
+                            <a:pt x="1295400" y="161334"/>
+                          </a:cubicBezTo>
+                          <a:cubicBezTo>
+                            <a:pt x="1306612" y="283458"/>
+                            <a:pt x="1283343" y="406737"/>
+                            <a:pt x="1295400" y="471086"/>
+                          </a:cubicBezTo>
+                          <a:cubicBezTo>
+                            <a:pt x="1307457" y="535435"/>
+                            <a:pt x="1272899" y="649472"/>
+                            <a:pt x="1295400" y="806650"/>
+                          </a:cubicBezTo>
+                          <a:cubicBezTo>
+                            <a:pt x="1301299" y="907432"/>
+                            <a:pt x="1200437" y="979971"/>
+                            <a:pt x="1134066" y="967984"/>
+                          </a:cubicBezTo>
+                          <a:cubicBezTo>
+                            <a:pt x="936744" y="990311"/>
+                            <a:pt x="780040" y="923898"/>
+                            <a:pt x="637973" y="967984"/>
+                          </a:cubicBezTo>
+                          <a:cubicBezTo>
+                            <a:pt x="495906" y="1012070"/>
+                            <a:pt x="261918" y="920168"/>
+                            <a:pt x="161334" y="967984"/>
+                          </a:cubicBezTo>
+                          <a:cubicBezTo>
+                            <a:pt x="66288" y="979917"/>
+                            <a:pt x="-4484" y="889802"/>
+                            <a:pt x="0" y="806650"/>
+                          </a:cubicBezTo>
+                          <a:cubicBezTo>
+                            <a:pt x="-10122" y="653431"/>
+                            <a:pt x="21719" y="592565"/>
+                            <a:pt x="0" y="477539"/>
+                          </a:cubicBezTo>
+                          <a:cubicBezTo>
+                            <a:pt x="-21719" y="362513"/>
+                            <a:pt x="29346" y="254268"/>
+                            <a:pt x="0" y="161334"/>
+                          </a:cubicBezTo>
+                          <a:close/>
+                        </a:path>
+                        <a:path w="1295400" h="967984" stroke="0" extrusionOk="0">
+                          <a:moveTo>
+                            <a:pt x="0" y="161334"/>
+                          </a:moveTo>
+                          <a:cubicBezTo>
+                            <a:pt x="-18805" y="60633"/>
+                            <a:pt x="47873" y="9142"/>
+                            <a:pt x="161334" y="0"/>
+                          </a:cubicBezTo>
+                          <a:cubicBezTo>
+                            <a:pt x="393323" y="-12211"/>
+                            <a:pt x="518499" y="14658"/>
+                            <a:pt x="667155" y="0"/>
+                          </a:cubicBezTo>
+                          <a:cubicBezTo>
+                            <a:pt x="815811" y="-14658"/>
+                            <a:pt x="1020297" y="40584"/>
+                            <a:pt x="1134066" y="0"/>
+                          </a:cubicBezTo>
+                          <a:cubicBezTo>
+                            <a:pt x="1203582" y="-10716"/>
+                            <a:pt x="1301236" y="75020"/>
+                            <a:pt x="1295400" y="161334"/>
+                          </a:cubicBezTo>
+                          <a:cubicBezTo>
+                            <a:pt x="1320100" y="309871"/>
+                            <a:pt x="1285917" y="404721"/>
+                            <a:pt x="1295400" y="471086"/>
+                          </a:cubicBezTo>
+                          <a:cubicBezTo>
+                            <a:pt x="1304883" y="537451"/>
+                            <a:pt x="1268120" y="642612"/>
+                            <a:pt x="1295400" y="806650"/>
+                          </a:cubicBezTo>
+                          <a:cubicBezTo>
+                            <a:pt x="1293341" y="876116"/>
+                            <a:pt x="1215376" y="978813"/>
+                            <a:pt x="1134066" y="967984"/>
+                          </a:cubicBezTo>
+                          <a:cubicBezTo>
+                            <a:pt x="932358" y="995431"/>
+                            <a:pt x="768450" y="948022"/>
+                            <a:pt x="667155" y="967984"/>
+                          </a:cubicBezTo>
+                          <a:cubicBezTo>
+                            <a:pt x="565860" y="987946"/>
+                            <a:pt x="269995" y="963695"/>
+                            <a:pt x="161334" y="967984"/>
+                          </a:cubicBezTo>
+                          <a:cubicBezTo>
+                            <a:pt x="83267" y="984410"/>
+                            <a:pt x="969" y="905786"/>
+                            <a:pt x="0" y="806650"/>
+                          </a:cubicBezTo>
+                          <a:cubicBezTo>
+                            <a:pt x="-4560" y="690233"/>
+                            <a:pt x="22889" y="621040"/>
+                            <a:pt x="0" y="503351"/>
+                          </a:cubicBezTo>
+                          <a:cubicBezTo>
+                            <a:pt x="-22889" y="385662"/>
+                            <a:pt x="24264" y="279911"/>
+                            <a:pt x="0" y="161334"/>
+                          </a:cubicBezTo>
+                          <a:close/>
+                        </a:path>
+                      </a:pathLst>
+                    </a:custGeom>
+                    <ask:type>
+                      <ask:lineSketchNone/>
+                    </ask:type>
+                  </ask:lineSketchStyleProps>
+                </a:ext>
+              </a:extLst>
+            </a:ln>
+          </p:spPr>
+          <p:style>
+            <a:lnRef idx="2">
+              <a:schemeClr val="accent1">
+                <a:shade val="15000"/>
+              </a:schemeClr>
+            </a:lnRef>
+            <a:fillRef idx="1">
+              <a:schemeClr val="accent1"/>
+            </a:fillRef>
+            <a:effectRef idx="0">
+              <a:schemeClr val="accent1"/>
+            </a:effectRef>
+            <a:fontRef idx="minor">
+              <a:schemeClr val="lt1"/>
+            </a:fontRef>
+          </p:style>
+          <p:txBody>
+            <a:bodyPr rtlCol="0" anchor="ctr"/>
+            <a:lstStyle/>
+            <a:p>
+              <a:pPr algn="ctr"/>
+              <a:endParaRPr lang="en-US" sz="4400" b="1" dirty="0">
+                <a:solidFill>
+                  <a:schemeClr val="accent4"/>
+                </a:solidFill>
+              </a:endParaRPr>
+            </a:p>
+          </p:txBody>
+        </p:sp>
+        <p:sp>
+          <p:nvSpPr>
+            <p:cNvPr id="51" name="TextBox 50">
+              <a:extLst>
+                <a:ext uri="{FF2B5EF4-FFF2-40B4-BE49-F238E27FC236}">
+                  <a16:creationId xmlns:a16="http://schemas.microsoft.com/office/drawing/2014/main" id="{1BDD02C9-5DDC-AF38-744A-36B9BF0179B0}"/>
+                </a:ext>
+              </a:extLst>
+            </p:cNvPr>
+            <p:cNvSpPr txBox="1"/>
+            <p:nvPr/>
+          </p:nvSpPr>
+          <p:spPr>
+            <a:xfrm>
+              <a:off x="4145727" y="1244577"/>
+              <a:ext cx="1295400" cy="769441"/>
+            </a:xfrm>
+            <a:prstGeom prst="rect">
+              <a:avLst/>
+            </a:prstGeom>
+            <a:noFill/>
+          </p:spPr>
+          <p:txBody>
+            <a:bodyPr wrap="square">
+              <a:spAutoFit/>
+            </a:bodyPr>
+            <a:lstStyle/>
+            <a:p>
+              <a:pPr algn="ctr"/>
+              <a:r>
+                <a:rPr lang="en-US" sz="2800" b="1" dirty="0">
+                  <a:solidFill>
+                    <a:schemeClr val="accent4"/>
+                  </a:solidFill>
+                </a:rPr>
+                <a:t>+</a:t>
+              </a:r>
+            </a:p>
+            <a:p>
+              <a:pPr algn="ctr"/>
+              <a:r>
+                <a:rPr lang="en-US" sz="1600" b="1" dirty="0">
+                  <a:solidFill>
+                    <a:schemeClr val="accent4"/>
+                  </a:solidFill>
+                </a:rPr>
+                <a:t>Create New</a:t>
+              </a:r>
+            </a:p>
+          </p:txBody>
+        </p:sp>
+      </p:grpSp>
+    </p:spTree>
+    <p:extLst>
+      <p:ext uri="{BB962C8B-B14F-4D97-AF65-F5344CB8AC3E}">
+        <p14:creationId xmlns:p14="http://schemas.microsoft.com/office/powerpoint/2010/main" val="2954503832"/>
+      </p:ext>
+    </p:extLst>
+  </p:cSld>
+  <p:clrMapOvr>
+    <a:masterClrMapping/>
+  </p:clrMapOvr>
+</p:sld>
+</file>
+
+<file path=ppt/slides/slide5.xml><?xml version="1.0" encoding="utf-8"?>
+<p:sld xmlns:a="http://schemas.openxmlformats.org/drawingml/2006/main" xmlns:r="http://schemas.openxmlformats.org/officeDocument/2006/relationships" xmlns:p="http://schemas.openxmlformats.org/presentationml/2006/main">
+  <p:cSld>
+    <p:spTree>
+      <p:nvGrpSpPr>
+        <p:cNvPr id="1" name=""/>
+        <p:cNvGrpSpPr/>
+        <p:nvPr/>
+      </p:nvGrpSpPr>
+      <p:grpSpPr>
+        <a:xfrm>
+          <a:off x="0" y="0"/>
+          <a:ext cx="0" cy="0"/>
+          <a:chOff x="0" y="0"/>
+          <a:chExt cx="0" cy="0"/>
+        </a:xfrm>
+      </p:grpSpPr>
       <p:pic>
         <p:nvPicPr>
           <p:cNvPr id="5" name="Picture 4">
@@ -5316,7 +7113,7 @@
 </p:sld>
 </file>
 
-<file path=ppt/slides/slide5.xml><?xml version="1.0" encoding="utf-8"?>
+<file path=ppt/slides/slide6.xml><?xml version="1.0" encoding="utf-8"?>
 <p:sld xmlns:a="http://schemas.openxmlformats.org/drawingml/2006/main" xmlns:r="http://schemas.openxmlformats.org/officeDocument/2006/relationships" xmlns:p="http://schemas.openxmlformats.org/presentationml/2006/main">
   <p:cSld>
     <p:spTree>
